--- a/media/esx/Beta1-ESX-Network-Diagram.pptx
+++ b/media/esx/Beta1-ESX-Network-Diagram.pptx
@@ -243,7 +243,7 @@
           <a:p>
             <a:fld id="{A0A89A47-19E5-46D7-88C7-ADFED4B6EDFB}" type="datetimeFigureOut">
               <a:rPr lang="en-US" smtClean="0"/>
-              <a:t>8/31/2015</a:t>
+              <a:t>10/6/2015</a:t>
             </a:fld>
             <a:endParaRPr lang="en-US" dirty="0"/>
           </a:p>
@@ -413,7 +413,7 @@
           <a:p>
             <a:fld id="{A0A89A47-19E5-46D7-88C7-ADFED4B6EDFB}" type="datetimeFigureOut">
               <a:rPr lang="en-US" smtClean="0"/>
-              <a:t>8/31/2015</a:t>
+              <a:t>10/6/2015</a:t>
             </a:fld>
             <a:endParaRPr lang="en-US" dirty="0"/>
           </a:p>
@@ -593,7 +593,7 @@
           <a:p>
             <a:fld id="{A0A89A47-19E5-46D7-88C7-ADFED4B6EDFB}" type="datetimeFigureOut">
               <a:rPr lang="en-US" smtClean="0"/>
-              <a:t>8/31/2015</a:t>
+              <a:t>10/6/2015</a:t>
             </a:fld>
             <a:endParaRPr lang="en-US" dirty="0"/>
           </a:p>
@@ -763,7 +763,7 @@
           <a:p>
             <a:fld id="{A0A89A47-19E5-46D7-88C7-ADFED4B6EDFB}" type="datetimeFigureOut">
               <a:rPr lang="en-US" smtClean="0"/>
-              <a:t>8/31/2015</a:t>
+              <a:t>10/6/2015</a:t>
             </a:fld>
             <a:endParaRPr lang="en-US" dirty="0"/>
           </a:p>
@@ -1009,7 +1009,7 @@
           <a:p>
             <a:fld id="{A0A89A47-19E5-46D7-88C7-ADFED4B6EDFB}" type="datetimeFigureOut">
               <a:rPr lang="en-US" smtClean="0"/>
-              <a:t>8/31/2015</a:t>
+              <a:t>10/6/2015</a:t>
             </a:fld>
             <a:endParaRPr lang="en-US" dirty="0"/>
           </a:p>
@@ -1241,7 +1241,7 @@
           <a:p>
             <a:fld id="{A0A89A47-19E5-46D7-88C7-ADFED4B6EDFB}" type="datetimeFigureOut">
               <a:rPr lang="en-US" smtClean="0"/>
-              <a:t>8/31/2015</a:t>
+              <a:t>10/6/2015</a:t>
             </a:fld>
             <a:endParaRPr lang="en-US" dirty="0"/>
           </a:p>
@@ -1608,7 +1608,7 @@
           <a:p>
             <a:fld id="{A0A89A47-19E5-46D7-88C7-ADFED4B6EDFB}" type="datetimeFigureOut">
               <a:rPr lang="en-US" smtClean="0"/>
-              <a:t>8/31/2015</a:t>
+              <a:t>10/6/2015</a:t>
             </a:fld>
             <a:endParaRPr lang="en-US" dirty="0"/>
           </a:p>
@@ -1726,7 +1726,7 @@
           <a:p>
             <a:fld id="{A0A89A47-19E5-46D7-88C7-ADFED4B6EDFB}" type="datetimeFigureOut">
               <a:rPr lang="en-US" smtClean="0"/>
-              <a:t>8/31/2015</a:t>
+              <a:t>10/6/2015</a:t>
             </a:fld>
             <a:endParaRPr lang="en-US" dirty="0"/>
           </a:p>
@@ -1821,7 +1821,7 @@
           <a:p>
             <a:fld id="{A0A89A47-19E5-46D7-88C7-ADFED4B6EDFB}" type="datetimeFigureOut">
               <a:rPr lang="en-US" smtClean="0"/>
-              <a:t>8/31/2015</a:t>
+              <a:t>10/6/2015</a:t>
             </a:fld>
             <a:endParaRPr lang="en-US" dirty="0"/>
           </a:p>
@@ -2098,7 +2098,7 @@
           <a:p>
             <a:fld id="{A0A89A47-19E5-46D7-88C7-ADFED4B6EDFB}" type="datetimeFigureOut">
               <a:rPr lang="en-US" smtClean="0"/>
-              <a:t>8/31/2015</a:t>
+              <a:t>10/6/2015</a:t>
             </a:fld>
             <a:endParaRPr lang="en-US" dirty="0"/>
           </a:p>
@@ -2351,7 +2351,7 @@
           <a:p>
             <a:fld id="{A0A89A47-19E5-46D7-88C7-ADFED4B6EDFB}" type="datetimeFigureOut">
               <a:rPr lang="en-US" smtClean="0"/>
-              <a:t>8/31/2015</a:t>
+              <a:t>10/6/2015</a:t>
             </a:fld>
             <a:endParaRPr lang="en-US" dirty="0"/>
           </a:p>
@@ -2564,7 +2564,7 @@
           <a:p>
             <a:fld id="{A0A89A47-19E5-46D7-88C7-ADFED4B6EDFB}" type="datetimeFigureOut">
               <a:rPr lang="en-US" smtClean="0"/>
-              <a:t>8/31/2015</a:t>
+              <a:t>10/6/2015</a:t>
             </a:fld>
             <a:endParaRPr lang="en-US" dirty="0"/>
           </a:p>
@@ -5667,11 +5667,7 @@
             </a:pPr>
             <a:r>
               <a:rPr lang="en-US" sz="1000" b="1" i="1" dirty="0" smtClean="0"/>
-              <a:t>EXTERNAL_API </a:t>
-            </a:r>
-            <a:r>
-              <a:rPr lang="en-US" sz="1000" b="1" i="1" dirty="0" smtClean="0"/>
-              <a:t>must be reachable</a:t>
+              <a:t>EXTERNAL_API must be reachable</a:t>
             </a:r>
           </a:p>
           <a:p>
@@ -5735,11 +5731,7 @@
             </a:r>
             <a:r>
               <a:rPr lang="en-US" sz="1000" b="1" i="1" dirty="0" smtClean="0"/>
-              <a:t> network used by Cloud Controllers (and other Cobbler driven elements).  Customer should hav</a:t>
-            </a:r>
-            <a:r>
-              <a:rPr lang="en-US" sz="1000" b="1" i="1" dirty="0" smtClean="0"/>
-              <a:t>e a router to route across these two </a:t>
+              <a:t> network used by Cloud Controllers (and other Cobbler driven elements).  Customer should have a router to route across these two </a:t>
             </a:r>
             <a:r>
               <a:rPr lang="en-US" sz="1000" b="1" i="1" dirty="0" err="1" smtClean="0"/>
@@ -5782,7 +5774,6 @@
               <a:rPr lang="en-US" sz="1000" b="1" i="1" dirty="0" smtClean="0"/>
               <a:t> need Datacenter Management Network (DCM) connectivity.  So please ensure DCM must be reachable from Cloud MGMT network.</a:t>
             </a:r>
-            <a:endParaRPr lang="en-US" sz="1000" b="1" i="1" dirty="0" smtClean="0"/>
           </a:p>
           <a:p>
             <a:endParaRPr lang="en-US" sz="1200" b="1" i="1" dirty="0"/>

--- a/media/esx/Beta1-ESX-Network-Diagram.pptx
+++ b/media/esx/Beta1-ESX-Network-Diagram.pptx
@@ -2971,97 +2971,13 @@
       </p:grpSpPr>
       <p:sp>
         <p:nvSpPr>
-          <p:cNvPr id="8" name="Rectangle 7"/>
-          <p:cNvSpPr/>
-          <p:nvPr/>
-        </p:nvSpPr>
-        <p:spPr>
-          <a:xfrm>
-            <a:off x="5933957" y="3042030"/>
-            <a:ext cx="1326573" cy="1734103"/>
-          </a:xfrm>
-          <a:prstGeom prst="rect">
-            <a:avLst/>
-          </a:prstGeom>
-          <a:solidFill>
-            <a:schemeClr val="bg1"/>
-          </a:solidFill>
-        </p:spPr>
-        <p:style>
-          <a:lnRef idx="2">
-            <a:schemeClr val="accent1">
-              <a:shade val="50000"/>
-            </a:schemeClr>
-          </a:lnRef>
-          <a:fillRef idx="1">
-            <a:schemeClr val="accent1"/>
-          </a:fillRef>
-          <a:effectRef idx="0">
-            <a:schemeClr val="accent1"/>
-          </a:effectRef>
-          <a:fontRef idx="minor">
-            <a:schemeClr val="lt1"/>
-          </a:fontRef>
-        </p:style>
-        <p:txBody>
-          <a:bodyPr rtlCol="0" anchor="ctr"/>
-          <a:lstStyle/>
-          <a:p>
-            <a:pPr algn="ctr"/>
-            <a:endParaRPr lang="en-US" dirty="0"/>
-          </a:p>
-        </p:txBody>
-      </p:sp>
-      <p:sp>
-        <p:nvSpPr>
-          <p:cNvPr id="7" name="Rectangle 6"/>
-          <p:cNvSpPr/>
-          <p:nvPr/>
-        </p:nvSpPr>
-        <p:spPr>
-          <a:xfrm>
-            <a:off x="7614851" y="3033439"/>
-            <a:ext cx="1354978" cy="1734103"/>
-          </a:xfrm>
-          <a:prstGeom prst="rect">
-            <a:avLst/>
-          </a:prstGeom>
-          <a:noFill/>
-        </p:spPr>
-        <p:style>
-          <a:lnRef idx="2">
-            <a:schemeClr val="accent1">
-              <a:shade val="50000"/>
-            </a:schemeClr>
-          </a:lnRef>
-          <a:fillRef idx="1">
-            <a:schemeClr val="accent1"/>
-          </a:fillRef>
-          <a:effectRef idx="0">
-            <a:schemeClr val="accent1"/>
-          </a:effectRef>
-          <a:fontRef idx="minor">
-            <a:schemeClr val="lt1"/>
-          </a:fontRef>
-        </p:style>
-        <p:txBody>
-          <a:bodyPr rtlCol="0" anchor="ctr"/>
-          <a:lstStyle/>
-          <a:p>
-            <a:pPr algn="ctr"/>
-            <a:endParaRPr lang="en-US" dirty="0"/>
-          </a:p>
-        </p:txBody>
-      </p:sp>
-      <p:sp>
-        <p:nvSpPr>
           <p:cNvPr id="4" name="Rectangle 3"/>
           <p:cNvSpPr/>
           <p:nvPr/>
         </p:nvSpPr>
         <p:spPr>
           <a:xfrm>
-            <a:off x="9162520" y="3050613"/>
+            <a:off x="3866788" y="3032949"/>
             <a:ext cx="1088472" cy="618096"/>
           </a:xfrm>
           <a:prstGeom prst="rect">
@@ -3105,108 +3021,6 @@
                 <a:schemeClr val="tx1"/>
               </a:solidFill>
             </a:endParaRPr>
-          </a:p>
-        </p:txBody>
-      </p:sp>
-      <p:sp>
-        <p:nvSpPr>
-          <p:cNvPr id="5" name="Rectangle 4"/>
-          <p:cNvSpPr/>
-          <p:nvPr/>
-        </p:nvSpPr>
-        <p:spPr>
-          <a:xfrm>
-            <a:off x="7733901" y="3660120"/>
-            <a:ext cx="1157915" cy="618096"/>
-          </a:xfrm>
-          <a:prstGeom prst="rect">
-            <a:avLst/>
-          </a:prstGeom>
-          <a:noFill/>
-        </p:spPr>
-        <p:style>
-          <a:lnRef idx="2">
-            <a:schemeClr val="accent1">
-              <a:shade val="50000"/>
-            </a:schemeClr>
-          </a:lnRef>
-          <a:fillRef idx="1">
-            <a:schemeClr val="accent1"/>
-          </a:fillRef>
-          <a:effectRef idx="0">
-            <a:schemeClr val="accent1"/>
-          </a:effectRef>
-          <a:fontRef idx="minor">
-            <a:schemeClr val="lt1"/>
-          </a:fontRef>
-        </p:style>
-        <p:txBody>
-          <a:bodyPr rtlCol="0" anchor="ctr"/>
-          <a:lstStyle/>
-          <a:p>
-            <a:pPr algn="ctr"/>
-            <a:r>
-              <a:rPr lang="en-US" dirty="0" smtClean="0">
-                <a:solidFill>
-                  <a:schemeClr val="tx1"/>
-                </a:solidFill>
-              </a:rPr>
-              <a:t>ovsvapp</a:t>
-            </a:r>
-            <a:endParaRPr lang="en-US" dirty="0">
-              <a:solidFill>
-                <a:schemeClr val="tx1"/>
-              </a:solidFill>
-            </a:endParaRPr>
-          </a:p>
-        </p:txBody>
-      </p:sp>
-      <p:sp>
-        <p:nvSpPr>
-          <p:cNvPr id="6" name="Rectangle 5"/>
-          <p:cNvSpPr/>
-          <p:nvPr/>
-        </p:nvSpPr>
-        <p:spPr>
-          <a:xfrm>
-            <a:off x="6053007" y="3660126"/>
-            <a:ext cx="1088472" cy="618096"/>
-          </a:xfrm>
-          <a:prstGeom prst="rect">
-            <a:avLst/>
-          </a:prstGeom>
-          <a:noFill/>
-        </p:spPr>
-        <p:style>
-          <a:lnRef idx="2">
-            <a:schemeClr val="accent1">
-              <a:shade val="50000"/>
-            </a:schemeClr>
-          </a:lnRef>
-          <a:fillRef idx="1">
-            <a:schemeClr val="accent1"/>
-          </a:fillRef>
-          <a:effectRef idx="0">
-            <a:schemeClr val="accent1"/>
-          </a:effectRef>
-          <a:fontRef idx="minor">
-            <a:schemeClr val="lt1"/>
-          </a:fontRef>
-        </p:style>
-        <p:txBody>
-          <a:bodyPr rtlCol="0" anchor="ctr"/>
-          <a:lstStyle/>
-          <a:p>
-            <a:pPr algn="ctr"/>
-            <a:r>
-              <a:rPr lang="en-US" dirty="0" smtClean="0">
-                <a:solidFill>
-                  <a:schemeClr val="tx1"/>
-                </a:solidFill>
-              </a:rPr>
-              <a:t>ESX compute</a:t>
-            </a:r>
-            <a:endParaRPr lang="en-US" dirty="0"/>
           </a:p>
         </p:txBody>
       </p:sp>
@@ -3703,8 +3517,38 @@
         </p:nvSpPr>
         <p:spPr>
           <a:xfrm>
-            <a:off x="1211397" y="2116938"/>
-            <a:ext cx="565675" cy="254854"/>
+            <a:off x="769639" y="2116938"/>
+            <a:ext cx="1098654" cy="276999"/>
+          </a:xfrm>
+          <a:prstGeom prst="rect">
+            <a:avLst/>
+          </a:prstGeom>
+          <a:noFill/>
+        </p:spPr>
+        <p:txBody>
+          <a:bodyPr wrap="square" rtlCol="0">
+            <a:spAutoFit/>
+          </a:bodyPr>
+          <a:lstStyle/>
+          <a:p>
+            <a:r>
+              <a:rPr lang="en-US" sz="1200" dirty="0" smtClean="0"/>
+              <a:t>Management</a:t>
+            </a:r>
+            <a:endParaRPr lang="en-US" sz="1200" dirty="0"/>
+          </a:p>
+        </p:txBody>
+      </p:sp>
+      <p:sp>
+        <p:nvSpPr>
+          <p:cNvPr id="23" name="TextBox 22"/>
+          <p:cNvSpPr txBox="1"/>
+          <p:nvPr/>
+        </p:nvSpPr>
+        <p:spPr>
+          <a:xfrm>
+            <a:off x="759679" y="1799305"/>
+            <a:ext cx="1044861" cy="254854"/>
           </a:xfrm>
           <a:prstGeom prst="rect">
             <a:avLst/>
@@ -3719,7 +3563,7 @@
           <a:p>
             <a:r>
               <a:rPr lang="en-US" sz="1200" dirty="0" smtClean="0"/>
-              <a:t>MGMT</a:t>
+              <a:t>Provider VLANs</a:t>
             </a:r>
             <a:endParaRPr lang="en-US" sz="1200" dirty="0"/>
           </a:p>
@@ -3727,14 +3571,14 @@
       </p:sp>
       <p:sp>
         <p:nvSpPr>
-          <p:cNvPr id="23" name="TextBox 22"/>
+          <p:cNvPr id="24" name="TextBox 23"/>
           <p:cNvSpPr txBox="1"/>
           <p:nvPr/>
         </p:nvSpPr>
         <p:spPr>
           <a:xfrm>
-            <a:off x="759679" y="1799305"/>
-            <a:ext cx="1044861" cy="254854"/>
+            <a:off x="747459" y="462347"/>
+            <a:ext cx="1091966" cy="276999"/>
           </a:xfrm>
           <a:prstGeom prst="rect">
             <a:avLst/>
@@ -3749,7 +3593,7 @@
           <a:p>
             <a:r>
               <a:rPr lang="en-US" sz="1200" dirty="0" smtClean="0"/>
-              <a:t>Provider VLANs</a:t>
+              <a:t>EXTERNAL-VM</a:t>
             </a:r>
             <a:endParaRPr lang="en-US" sz="1200" dirty="0"/>
           </a:p>
@@ -3757,14 +3601,14 @@
       </p:sp>
       <p:sp>
         <p:nvSpPr>
-          <p:cNvPr id="24" name="TextBox 23"/>
+          <p:cNvPr id="25" name="TextBox 24"/>
           <p:cNvSpPr txBox="1"/>
           <p:nvPr/>
         </p:nvSpPr>
         <p:spPr>
           <a:xfrm>
-            <a:off x="747459" y="462347"/>
-            <a:ext cx="1022947" cy="254854"/>
+            <a:off x="756224" y="712576"/>
+            <a:ext cx="1082348" cy="276999"/>
           </a:xfrm>
           <a:prstGeom prst="rect">
             <a:avLst/>
@@ -3779,37 +3623,7 @@
           <a:p>
             <a:r>
               <a:rPr lang="en-US" sz="1200" dirty="0" smtClean="0"/>
-              <a:t>EXTERNAL_VM</a:t>
-            </a:r>
-            <a:endParaRPr lang="en-US" sz="1200" dirty="0"/>
-          </a:p>
-        </p:txBody>
-      </p:sp>
-      <p:sp>
-        <p:nvSpPr>
-          <p:cNvPr id="25" name="TextBox 24"/>
-          <p:cNvSpPr txBox="1"/>
-          <p:nvPr/>
-        </p:nvSpPr>
-        <p:spPr>
-          <a:xfrm>
-            <a:off x="756224" y="712576"/>
-            <a:ext cx="1014182" cy="254854"/>
-          </a:xfrm>
-          <a:prstGeom prst="rect">
-            <a:avLst/>
-          </a:prstGeom>
-          <a:noFill/>
-        </p:spPr>
-        <p:txBody>
-          <a:bodyPr wrap="none" rtlCol="0">
-            <a:spAutoFit/>
-          </a:bodyPr>
-          <a:lstStyle/>
-          <a:p>
-            <a:r>
-              <a:rPr lang="en-US" sz="1200" dirty="0" smtClean="0"/>
-              <a:t>EXTERNAL_API</a:t>
+              <a:t>EXTERNAL-API</a:t>
             </a:r>
             <a:endParaRPr lang="en-US" sz="1200" dirty="0"/>
           </a:p>
@@ -4814,15 +4628,50 @@
           </a:fontRef>
         </p:style>
       </p:cxnSp>
-      <p:sp>
-        <p:nvSpPr>
-          <p:cNvPr id="99" name="Rectangle 98"/>
+      <p:cxnSp>
+        <p:nvCxnSpPr>
+          <p:cNvPr id="112" name="Straight Connector 111"/>
+          <p:cNvCxnSpPr/>
+          <p:nvPr/>
+        </p:nvCxnSpPr>
+        <p:spPr>
+          <a:xfrm>
+            <a:off x="4138905" y="2513571"/>
+            <a:ext cx="8503" cy="266124"/>
+          </a:xfrm>
+          <a:prstGeom prst="line">
+            <a:avLst/>
+          </a:prstGeom>
+          <a:ln>
+            <a:solidFill>
+              <a:srgbClr val="FFC000"/>
+            </a:solidFill>
+          </a:ln>
+        </p:spPr>
+        <p:style>
+          <a:lnRef idx="1">
+            <a:schemeClr val="accent1"/>
+          </a:lnRef>
+          <a:fillRef idx="0">
+            <a:schemeClr val="accent1"/>
+          </a:fillRef>
+          <a:effectRef idx="0">
+            <a:schemeClr val="accent1"/>
+          </a:effectRef>
+          <a:fontRef idx="minor">
+            <a:schemeClr val="tx1"/>
+          </a:fontRef>
+        </p:style>
+      </p:cxnSp>
+      <p:sp>
+        <p:nvSpPr>
+          <p:cNvPr id="116" name="Rectangle 115"/>
           <p:cNvSpPr/>
           <p:nvPr/>
         </p:nvSpPr>
         <p:spPr>
           <a:xfrm>
-            <a:off x="5990647" y="2730288"/>
+            <a:off x="3881667" y="2783086"/>
             <a:ext cx="531480" cy="140041"/>
           </a:xfrm>
           <a:prstGeom prst="rect">
@@ -4867,700 +4716,6 @@
           </a:p>
         </p:txBody>
       </p:sp>
-      <p:sp>
-        <p:nvSpPr>
-          <p:cNvPr id="100" name="Rectangle 99"/>
-          <p:cNvSpPr/>
-          <p:nvPr/>
-        </p:nvSpPr>
-        <p:spPr>
-          <a:xfrm>
-            <a:off x="6634804" y="2730288"/>
-            <a:ext cx="531480" cy="140041"/>
-          </a:xfrm>
-          <a:prstGeom prst="rect">
-            <a:avLst/>
-          </a:prstGeom>
-          <a:noFill/>
-        </p:spPr>
-        <p:style>
-          <a:lnRef idx="2">
-            <a:schemeClr val="accent1">
-              <a:shade val="50000"/>
-            </a:schemeClr>
-          </a:lnRef>
-          <a:fillRef idx="1">
-            <a:schemeClr val="accent1"/>
-          </a:fillRef>
-          <a:effectRef idx="0">
-            <a:schemeClr val="accent1"/>
-          </a:effectRef>
-          <a:fontRef idx="minor">
-            <a:schemeClr val="lt1"/>
-          </a:fontRef>
-        </p:style>
-        <p:txBody>
-          <a:bodyPr rtlCol="0" anchor="ctr"/>
-          <a:lstStyle/>
-          <a:p>
-            <a:pPr algn="ctr"/>
-            <a:r>
-              <a:rPr lang="en-US" sz="1000" dirty="0" smtClean="0">
-                <a:solidFill>
-                  <a:schemeClr val="tx1"/>
-                </a:solidFill>
-              </a:rPr>
-              <a:t>eth1</a:t>
-            </a:r>
-            <a:endParaRPr lang="en-US" sz="1000" dirty="0">
-              <a:solidFill>
-                <a:schemeClr val="tx1"/>
-              </a:solidFill>
-            </a:endParaRPr>
-          </a:p>
-        </p:txBody>
-      </p:sp>
-      <p:cxnSp>
-        <p:nvCxnSpPr>
-          <p:cNvPr id="102" name="Straight Connector 101"/>
-          <p:cNvCxnSpPr>
-            <a:stCxn id="99" idx="2"/>
-          </p:cNvCxnSpPr>
-          <p:nvPr/>
-        </p:nvCxnSpPr>
-        <p:spPr>
-          <a:xfrm flipH="1">
-            <a:off x="6256386" y="2870329"/>
-            <a:ext cx="1" cy="789794"/>
-          </a:xfrm>
-          <a:prstGeom prst="line">
-            <a:avLst/>
-          </a:prstGeom>
-          <a:ln>
-            <a:solidFill>
-              <a:srgbClr val="FFC000"/>
-            </a:solidFill>
-          </a:ln>
-        </p:spPr>
-        <p:style>
-          <a:lnRef idx="1">
-            <a:schemeClr val="accent1"/>
-          </a:lnRef>
-          <a:fillRef idx="0">
-            <a:schemeClr val="accent1"/>
-          </a:fillRef>
-          <a:effectRef idx="0">
-            <a:schemeClr val="accent1"/>
-          </a:effectRef>
-          <a:fontRef idx="minor">
-            <a:schemeClr val="tx1"/>
-          </a:fontRef>
-        </p:style>
-      </p:cxnSp>
-      <p:cxnSp>
-        <p:nvCxnSpPr>
-          <p:cNvPr id="104" name="Straight Connector 103"/>
-          <p:cNvCxnSpPr>
-            <a:stCxn id="100" idx="2"/>
-          </p:cNvCxnSpPr>
-          <p:nvPr/>
-        </p:nvCxnSpPr>
-        <p:spPr>
-          <a:xfrm flipH="1">
-            <a:off x="6900543" y="2870329"/>
-            <a:ext cx="1" cy="789794"/>
-          </a:xfrm>
-          <a:prstGeom prst="line">
-            <a:avLst/>
-          </a:prstGeom>
-          <a:ln>
-            <a:solidFill>
-              <a:schemeClr val="tx1"/>
-            </a:solidFill>
-          </a:ln>
-        </p:spPr>
-        <p:style>
-          <a:lnRef idx="1">
-            <a:schemeClr val="accent1"/>
-          </a:lnRef>
-          <a:fillRef idx="0">
-            <a:schemeClr val="accent1"/>
-          </a:fillRef>
-          <a:effectRef idx="0">
-            <a:schemeClr val="accent1"/>
-          </a:effectRef>
-          <a:fontRef idx="minor">
-            <a:schemeClr val="tx1"/>
-          </a:fontRef>
-        </p:style>
-      </p:cxnSp>
-      <p:cxnSp>
-        <p:nvCxnSpPr>
-          <p:cNvPr id="106" name="Straight Connector 105"/>
-          <p:cNvCxnSpPr>
-            <a:endCxn id="99" idx="0"/>
-          </p:cNvCxnSpPr>
-          <p:nvPr/>
-        </p:nvCxnSpPr>
-        <p:spPr>
-          <a:xfrm>
-            <a:off x="6256386" y="2531235"/>
-            <a:ext cx="1" cy="199053"/>
-          </a:xfrm>
-          <a:prstGeom prst="line">
-            <a:avLst/>
-          </a:prstGeom>
-          <a:ln>
-            <a:solidFill>
-              <a:srgbClr val="FFC000"/>
-            </a:solidFill>
-          </a:ln>
-        </p:spPr>
-        <p:style>
-          <a:lnRef idx="1">
-            <a:schemeClr val="accent1"/>
-          </a:lnRef>
-          <a:fillRef idx="0">
-            <a:schemeClr val="accent1"/>
-          </a:fillRef>
-          <a:effectRef idx="0">
-            <a:schemeClr val="accent1"/>
-          </a:effectRef>
-          <a:fontRef idx="minor">
-            <a:schemeClr val="tx1"/>
-          </a:fontRef>
-        </p:style>
-      </p:cxnSp>
-      <p:cxnSp>
-        <p:nvCxnSpPr>
-          <p:cNvPr id="110" name="Straight Connector 109"/>
-          <p:cNvCxnSpPr>
-            <a:stCxn id="100" idx="0"/>
-          </p:cNvCxnSpPr>
-          <p:nvPr/>
-        </p:nvCxnSpPr>
-        <p:spPr>
-          <a:xfrm flipH="1" flipV="1">
-            <a:off x="6900543" y="2227196"/>
-            <a:ext cx="1" cy="503092"/>
-          </a:xfrm>
-          <a:prstGeom prst="line">
-            <a:avLst/>
-          </a:prstGeom>
-          <a:ln>
-            <a:solidFill>
-              <a:schemeClr val="tx1"/>
-            </a:solidFill>
-          </a:ln>
-        </p:spPr>
-        <p:style>
-          <a:lnRef idx="1">
-            <a:schemeClr val="accent1"/>
-          </a:lnRef>
-          <a:fillRef idx="0">
-            <a:schemeClr val="accent1"/>
-          </a:fillRef>
-          <a:effectRef idx="0">
-            <a:schemeClr val="accent1"/>
-          </a:effectRef>
-          <a:fontRef idx="minor">
-            <a:schemeClr val="tx1"/>
-          </a:fontRef>
-        </p:style>
-      </p:cxnSp>
-      <p:cxnSp>
-        <p:nvCxnSpPr>
-          <p:cNvPr id="112" name="Straight Connector 111"/>
-          <p:cNvCxnSpPr/>
-          <p:nvPr/>
-        </p:nvCxnSpPr>
-        <p:spPr>
-          <a:xfrm>
-            <a:off x="9434637" y="2531235"/>
-            <a:ext cx="8503" cy="266124"/>
-          </a:xfrm>
-          <a:prstGeom prst="line">
-            <a:avLst/>
-          </a:prstGeom>
-          <a:ln>
-            <a:solidFill>
-              <a:srgbClr val="FFC000"/>
-            </a:solidFill>
-          </a:ln>
-        </p:spPr>
-        <p:style>
-          <a:lnRef idx="1">
-            <a:schemeClr val="accent1"/>
-          </a:lnRef>
-          <a:fillRef idx="0">
-            <a:schemeClr val="accent1"/>
-          </a:fillRef>
-          <a:effectRef idx="0">
-            <a:schemeClr val="accent1"/>
-          </a:effectRef>
-          <a:fontRef idx="minor">
-            <a:schemeClr val="tx1"/>
-          </a:fontRef>
-        </p:style>
-      </p:cxnSp>
-      <p:sp>
-        <p:nvSpPr>
-          <p:cNvPr id="113" name="Rectangle 112"/>
-          <p:cNvSpPr/>
-          <p:nvPr/>
-        </p:nvSpPr>
-        <p:spPr>
-          <a:xfrm>
-            <a:off x="7571633" y="2738873"/>
-            <a:ext cx="474077" cy="140041"/>
-          </a:xfrm>
-          <a:prstGeom prst="rect">
-            <a:avLst/>
-          </a:prstGeom>
-          <a:noFill/>
-        </p:spPr>
-        <p:style>
-          <a:lnRef idx="2">
-            <a:schemeClr val="accent1">
-              <a:shade val="50000"/>
-            </a:schemeClr>
-          </a:lnRef>
-          <a:fillRef idx="1">
-            <a:schemeClr val="accent1"/>
-          </a:fillRef>
-          <a:effectRef idx="0">
-            <a:schemeClr val="accent1"/>
-          </a:effectRef>
-          <a:fontRef idx="minor">
-            <a:schemeClr val="lt1"/>
-          </a:fontRef>
-        </p:style>
-        <p:txBody>
-          <a:bodyPr rtlCol="0" anchor="ctr"/>
-          <a:lstStyle/>
-          <a:p>
-            <a:pPr algn="ctr"/>
-            <a:r>
-              <a:rPr lang="en-US" sz="1000" dirty="0" smtClean="0">
-                <a:solidFill>
-                  <a:schemeClr val="tx1"/>
-                </a:solidFill>
-              </a:rPr>
-              <a:t>eth0</a:t>
-            </a:r>
-            <a:endParaRPr lang="en-US" sz="1000" dirty="0">
-              <a:solidFill>
-                <a:schemeClr val="tx1"/>
-              </a:solidFill>
-            </a:endParaRPr>
-          </a:p>
-        </p:txBody>
-      </p:sp>
-      <p:sp>
-        <p:nvSpPr>
-          <p:cNvPr id="114" name="Rectangle 113"/>
-          <p:cNvSpPr/>
-          <p:nvPr/>
-        </p:nvSpPr>
-        <p:spPr>
-          <a:xfrm>
-            <a:off x="8079041" y="2738873"/>
-            <a:ext cx="476195" cy="140041"/>
-          </a:xfrm>
-          <a:prstGeom prst="rect">
-            <a:avLst/>
-          </a:prstGeom>
-          <a:noFill/>
-        </p:spPr>
-        <p:style>
-          <a:lnRef idx="2">
-            <a:schemeClr val="accent1">
-              <a:shade val="50000"/>
-            </a:schemeClr>
-          </a:lnRef>
-          <a:fillRef idx="1">
-            <a:schemeClr val="accent1"/>
-          </a:fillRef>
-          <a:effectRef idx="0">
-            <a:schemeClr val="accent1"/>
-          </a:effectRef>
-          <a:fontRef idx="minor">
-            <a:schemeClr val="lt1"/>
-          </a:fontRef>
-        </p:style>
-        <p:txBody>
-          <a:bodyPr rtlCol="0" anchor="ctr"/>
-          <a:lstStyle/>
-          <a:p>
-            <a:pPr algn="ctr"/>
-            <a:r>
-              <a:rPr lang="en-US" sz="1000" dirty="0" smtClean="0">
-                <a:solidFill>
-                  <a:schemeClr val="tx1"/>
-                </a:solidFill>
-              </a:rPr>
-              <a:t>eth1</a:t>
-            </a:r>
-            <a:endParaRPr lang="en-US" sz="1000" dirty="0">
-              <a:solidFill>
-                <a:schemeClr val="tx1"/>
-              </a:solidFill>
-            </a:endParaRPr>
-          </a:p>
-        </p:txBody>
-      </p:sp>
-      <p:sp>
-        <p:nvSpPr>
-          <p:cNvPr id="116" name="Rectangle 115"/>
-          <p:cNvSpPr/>
-          <p:nvPr/>
-        </p:nvSpPr>
-        <p:spPr>
-          <a:xfrm>
-            <a:off x="9177399" y="2800750"/>
-            <a:ext cx="531480" cy="140041"/>
-          </a:xfrm>
-          <a:prstGeom prst="rect">
-            <a:avLst/>
-          </a:prstGeom>
-          <a:noFill/>
-        </p:spPr>
-        <p:style>
-          <a:lnRef idx="2">
-            <a:schemeClr val="accent1">
-              <a:shade val="50000"/>
-            </a:schemeClr>
-          </a:lnRef>
-          <a:fillRef idx="1">
-            <a:schemeClr val="accent1"/>
-          </a:fillRef>
-          <a:effectRef idx="0">
-            <a:schemeClr val="accent1"/>
-          </a:effectRef>
-          <a:fontRef idx="minor">
-            <a:schemeClr val="lt1"/>
-          </a:fontRef>
-        </p:style>
-        <p:txBody>
-          <a:bodyPr rtlCol="0" anchor="ctr"/>
-          <a:lstStyle/>
-          <a:p>
-            <a:pPr algn="ctr"/>
-            <a:r>
-              <a:rPr lang="en-US" sz="1000" dirty="0" smtClean="0">
-                <a:solidFill>
-                  <a:schemeClr val="tx1"/>
-                </a:solidFill>
-              </a:rPr>
-              <a:t>eth0</a:t>
-            </a:r>
-            <a:endParaRPr lang="en-US" sz="1000" dirty="0">
-              <a:solidFill>
-                <a:schemeClr val="tx1"/>
-              </a:solidFill>
-            </a:endParaRPr>
-          </a:p>
-        </p:txBody>
-      </p:sp>
-      <p:sp>
-        <p:nvSpPr>
-          <p:cNvPr id="117" name="Rectangle 116"/>
-          <p:cNvSpPr/>
-          <p:nvPr/>
-        </p:nvSpPr>
-        <p:spPr>
-          <a:xfrm>
-            <a:off x="8584275" y="2738873"/>
-            <a:ext cx="476195" cy="140041"/>
-          </a:xfrm>
-          <a:prstGeom prst="rect">
-            <a:avLst/>
-          </a:prstGeom>
-          <a:noFill/>
-        </p:spPr>
-        <p:style>
-          <a:lnRef idx="2">
-            <a:schemeClr val="accent1">
-              <a:shade val="50000"/>
-            </a:schemeClr>
-          </a:lnRef>
-          <a:fillRef idx="1">
-            <a:schemeClr val="accent1"/>
-          </a:fillRef>
-          <a:effectRef idx="0">
-            <a:schemeClr val="accent1"/>
-          </a:effectRef>
-          <a:fontRef idx="minor">
-            <a:schemeClr val="lt1"/>
-          </a:fontRef>
-        </p:style>
-        <p:txBody>
-          <a:bodyPr rtlCol="0" anchor="ctr"/>
-          <a:lstStyle/>
-          <a:p>
-            <a:pPr algn="ctr"/>
-            <a:r>
-              <a:rPr lang="en-US" sz="1000" dirty="0" smtClean="0">
-                <a:solidFill>
-                  <a:schemeClr val="tx1"/>
-                </a:solidFill>
-              </a:rPr>
-              <a:t>eth2</a:t>
-            </a:r>
-            <a:endParaRPr lang="en-US" sz="1000" dirty="0">
-              <a:solidFill>
-                <a:schemeClr val="tx1"/>
-              </a:solidFill>
-            </a:endParaRPr>
-          </a:p>
-        </p:txBody>
-      </p:sp>
-      <p:cxnSp>
-        <p:nvCxnSpPr>
-          <p:cNvPr id="119" name="Straight Connector 118"/>
-          <p:cNvCxnSpPr>
-            <a:endCxn id="113" idx="0"/>
-          </p:cNvCxnSpPr>
-          <p:nvPr/>
-        </p:nvCxnSpPr>
-        <p:spPr>
-          <a:xfrm>
-            <a:off x="7808672" y="2531235"/>
-            <a:ext cx="1" cy="207638"/>
-          </a:xfrm>
-          <a:prstGeom prst="line">
-            <a:avLst/>
-          </a:prstGeom>
-          <a:ln>
-            <a:solidFill>
-              <a:srgbClr val="FFC000"/>
-            </a:solidFill>
-          </a:ln>
-        </p:spPr>
-        <p:style>
-          <a:lnRef idx="1">
-            <a:schemeClr val="accent1"/>
-          </a:lnRef>
-          <a:fillRef idx="0">
-            <a:schemeClr val="accent1"/>
-          </a:fillRef>
-          <a:effectRef idx="0">
-            <a:schemeClr val="accent1"/>
-          </a:effectRef>
-          <a:fontRef idx="minor">
-            <a:schemeClr val="tx1"/>
-          </a:fontRef>
-        </p:style>
-      </p:cxnSp>
-      <p:cxnSp>
-        <p:nvCxnSpPr>
-          <p:cNvPr id="121" name="Straight Connector 120"/>
-          <p:cNvCxnSpPr>
-            <a:stCxn id="113" idx="2"/>
-          </p:cNvCxnSpPr>
-          <p:nvPr/>
-        </p:nvCxnSpPr>
-        <p:spPr>
-          <a:xfrm flipH="1">
-            <a:off x="7808672" y="2878915"/>
-            <a:ext cx="1" cy="789795"/>
-          </a:xfrm>
-          <a:prstGeom prst="line">
-            <a:avLst/>
-          </a:prstGeom>
-          <a:ln>
-            <a:solidFill>
-              <a:srgbClr val="FFC000"/>
-            </a:solidFill>
-          </a:ln>
-        </p:spPr>
-        <p:style>
-          <a:lnRef idx="1">
-            <a:schemeClr val="accent1"/>
-          </a:lnRef>
-          <a:fillRef idx="0">
-            <a:schemeClr val="accent1"/>
-          </a:fillRef>
-          <a:effectRef idx="0">
-            <a:schemeClr val="accent1"/>
-          </a:effectRef>
-          <a:fontRef idx="minor">
-            <a:schemeClr val="tx1"/>
-          </a:fontRef>
-        </p:style>
-      </p:cxnSp>
-      <p:cxnSp>
-        <p:nvCxnSpPr>
-          <p:cNvPr id="124" name="Straight Connector 123"/>
-          <p:cNvCxnSpPr/>
-          <p:nvPr/>
-        </p:nvCxnSpPr>
-        <p:spPr>
-          <a:xfrm>
-            <a:off x="8269635" y="2237963"/>
-            <a:ext cx="0" cy="508821"/>
-          </a:xfrm>
-          <a:prstGeom prst="line">
-            <a:avLst/>
-          </a:prstGeom>
-          <a:ln>
-            <a:solidFill>
-              <a:schemeClr val="tx1"/>
-            </a:solidFill>
-          </a:ln>
-        </p:spPr>
-        <p:style>
-          <a:lnRef idx="1">
-            <a:schemeClr val="accent1"/>
-          </a:lnRef>
-          <a:fillRef idx="0">
-            <a:schemeClr val="accent1"/>
-          </a:fillRef>
-          <a:effectRef idx="0">
-            <a:schemeClr val="accent1"/>
-          </a:effectRef>
-          <a:fontRef idx="minor">
-            <a:schemeClr val="tx1"/>
-          </a:fontRef>
-        </p:style>
-      </p:cxnSp>
-      <p:cxnSp>
-        <p:nvCxnSpPr>
-          <p:cNvPr id="126" name="Straight Connector 125"/>
-          <p:cNvCxnSpPr/>
-          <p:nvPr/>
-        </p:nvCxnSpPr>
-        <p:spPr>
-          <a:xfrm>
-            <a:off x="8278136" y="2878915"/>
-            <a:ext cx="0" cy="789795"/>
-          </a:xfrm>
-          <a:prstGeom prst="line">
-            <a:avLst/>
-          </a:prstGeom>
-          <a:ln>
-            <a:solidFill>
-              <a:schemeClr val="tx1"/>
-            </a:solidFill>
-          </a:ln>
-        </p:spPr>
-        <p:style>
-          <a:lnRef idx="1">
-            <a:schemeClr val="accent1"/>
-          </a:lnRef>
-          <a:fillRef idx="0">
-            <a:schemeClr val="accent1"/>
-          </a:fillRef>
-          <a:effectRef idx="0">
-            <a:schemeClr val="accent1"/>
-          </a:effectRef>
-          <a:fontRef idx="minor">
-            <a:schemeClr val="tx1"/>
-          </a:fontRef>
-        </p:style>
-      </p:cxnSp>
-      <p:cxnSp>
-        <p:nvCxnSpPr>
-          <p:cNvPr id="128" name="Straight Connector 127"/>
-          <p:cNvCxnSpPr/>
-          <p:nvPr/>
-        </p:nvCxnSpPr>
-        <p:spPr>
-          <a:xfrm>
-            <a:off x="8694822" y="1630204"/>
-            <a:ext cx="8497" cy="1108668"/>
-          </a:xfrm>
-          <a:prstGeom prst="line">
-            <a:avLst/>
-          </a:prstGeom>
-          <a:ln>
-            <a:solidFill>
-              <a:srgbClr val="00B050"/>
-            </a:solidFill>
-          </a:ln>
-        </p:spPr>
-        <p:style>
-          <a:lnRef idx="1">
-            <a:schemeClr val="accent1"/>
-          </a:lnRef>
-          <a:fillRef idx="0">
-            <a:schemeClr val="accent1"/>
-          </a:fillRef>
-          <a:effectRef idx="0">
-            <a:schemeClr val="accent1"/>
-          </a:effectRef>
-          <a:fontRef idx="minor">
-            <a:schemeClr val="tx1"/>
-          </a:fontRef>
-        </p:style>
-      </p:cxnSp>
-      <p:cxnSp>
-        <p:nvCxnSpPr>
-          <p:cNvPr id="131" name="Straight Connector 130"/>
-          <p:cNvCxnSpPr>
-            <a:endCxn id="117" idx="0"/>
-          </p:cNvCxnSpPr>
-          <p:nvPr/>
-        </p:nvCxnSpPr>
-        <p:spPr>
-          <a:xfrm>
-            <a:off x="8822373" y="1918148"/>
-            <a:ext cx="0" cy="820725"/>
-          </a:xfrm>
-          <a:prstGeom prst="line">
-            <a:avLst/>
-          </a:prstGeom>
-        </p:spPr>
-        <p:style>
-          <a:lnRef idx="1">
-            <a:schemeClr val="accent1"/>
-          </a:lnRef>
-          <a:fillRef idx="0">
-            <a:schemeClr val="accent1"/>
-          </a:fillRef>
-          <a:effectRef idx="0">
-            <a:schemeClr val="accent1"/>
-          </a:effectRef>
-          <a:fontRef idx="minor">
-            <a:schemeClr val="tx1"/>
-          </a:fontRef>
-        </p:style>
-      </p:cxnSp>
-      <p:cxnSp>
-        <p:nvCxnSpPr>
-          <p:cNvPr id="134" name="Straight Connector 133"/>
-          <p:cNvCxnSpPr/>
-          <p:nvPr/>
-        </p:nvCxnSpPr>
-        <p:spPr>
-          <a:xfrm>
-            <a:off x="8712552" y="2878915"/>
-            <a:ext cx="8497" cy="781205"/>
-          </a:xfrm>
-          <a:prstGeom prst="line">
-            <a:avLst/>
-          </a:prstGeom>
-          <a:ln>
-            <a:solidFill>
-              <a:srgbClr val="00B050"/>
-            </a:solidFill>
-          </a:ln>
-        </p:spPr>
-        <p:style>
-          <a:lnRef idx="1">
-            <a:schemeClr val="accent1"/>
-          </a:lnRef>
-          <a:fillRef idx="0">
-            <a:schemeClr val="accent1"/>
-          </a:fillRef>
-          <a:effectRef idx="0">
-            <a:schemeClr val="accent1"/>
-          </a:effectRef>
-          <a:fontRef idx="minor">
-            <a:schemeClr val="tx1"/>
-          </a:fontRef>
-        </p:style>
-      </p:cxnSp>
       <p:cxnSp>
         <p:nvCxnSpPr>
           <p:cNvPr id="138" name="Straight Connector 137"/>
@@ -5571,7 +4726,7 @@
         </p:nvCxnSpPr>
         <p:spPr>
           <a:xfrm>
-            <a:off x="9443139" y="2940791"/>
+            <a:off x="4147407" y="2923127"/>
             <a:ext cx="0" cy="108660"/>
           </a:xfrm>
           <a:prstGeom prst="line">
@@ -5598,36 +4753,6 @@
           </a:fontRef>
         </p:style>
       </p:cxnSp>
-      <p:cxnSp>
-        <p:nvCxnSpPr>
-          <p:cNvPr id="141" name="Straight Connector 140"/>
-          <p:cNvCxnSpPr/>
-          <p:nvPr/>
-        </p:nvCxnSpPr>
-        <p:spPr>
-          <a:xfrm>
-            <a:off x="8822373" y="2839396"/>
-            <a:ext cx="0" cy="820725"/>
-          </a:xfrm>
-          <a:prstGeom prst="line">
-            <a:avLst/>
-          </a:prstGeom>
-        </p:spPr>
-        <p:style>
-          <a:lnRef idx="1">
-            <a:schemeClr val="accent1"/>
-          </a:lnRef>
-          <a:fillRef idx="0">
-            <a:schemeClr val="accent1"/>
-          </a:fillRef>
-          <a:effectRef idx="0">
-            <a:schemeClr val="accent1"/>
-          </a:effectRef>
-          <a:fontRef idx="minor">
-            <a:schemeClr val="tx1"/>
-          </a:fontRef>
-        </p:style>
-      </p:cxnSp>
       <p:sp>
         <p:nvSpPr>
           <p:cNvPr id="143" name="TextBox 142"/>
@@ -5636,8 +4761,8 @@
         </p:nvSpPr>
         <p:spPr>
           <a:xfrm>
-            <a:off x="9150666" y="3779792"/>
-            <a:ext cx="2682453" cy="3354765"/>
+            <a:off x="9745285" y="3031787"/>
+            <a:ext cx="2243535" cy="2739211"/>
           </a:xfrm>
           <a:prstGeom prst="rect">
             <a:avLst/>
@@ -5667,29 +4792,14 @@
             </a:pPr>
             <a:r>
               <a:rPr lang="en-US" sz="1000" b="1" i="1" dirty="0" smtClean="0"/>
-              <a:t>EXTERNAL_API must be reachable</a:t>
-            </a:r>
-          </a:p>
-          <a:p>
-            <a:r>
-              <a:rPr lang="en-US" sz="1000" b="1" i="1" dirty="0" smtClean="0"/>
-              <a:t>from EXTERNAL_VM</a:t>
-            </a:r>
-          </a:p>
-          <a:p>
-            <a:endParaRPr lang="en-US" sz="1000" b="1" i="1" dirty="0" smtClean="0"/>
+              <a:t>EXTERNAL-API must be reachable from EXTERNAL-VM</a:t>
+            </a:r>
           </a:p>
           <a:p>
             <a:pPr marL="285750" indent="-285750">
               <a:buFont typeface="Arial" panose="020B0604020202020204" pitchFamily="34" charset="0"/>
               <a:buChar char="•"/>
             </a:pPr>
-            <a:r>
-              <a:rPr lang="en-US" sz="1000" b="1" i="1" dirty="0" smtClean="0"/>
-              <a:t>IPMI/ILO must be reachable from the Deployer for os-install</a:t>
-            </a:r>
-          </a:p>
-          <a:p>
             <a:endParaRPr lang="en-US" sz="1000" b="1" i="1" dirty="0" smtClean="0"/>
           </a:p>
           <a:p>
@@ -5699,47 +4809,15 @@
             </a:pPr>
             <a:r>
               <a:rPr lang="en-US" sz="1000" b="1" i="1" dirty="0" smtClean="0"/>
-              <a:t>It is mandatory that the </a:t>
+              <a:t>IPMI/ILO must be reachable from the Deployer for </a:t>
             </a:r>
             <a:r>
               <a:rPr lang="en-US" sz="1000" b="1" i="1" dirty="0" err="1" smtClean="0"/>
-              <a:t>deployer</a:t>
+              <a:t>os</a:t>
             </a:r>
             <a:r>
               <a:rPr lang="en-US" sz="1000" b="1" i="1" dirty="0" smtClean="0"/>
-              <a:t> network for (</a:t>
-            </a:r>
-            <a:r>
-              <a:rPr lang="en-US" sz="1000" b="1" i="1" dirty="0" err="1" smtClean="0"/>
-              <a:t>esx</a:t>
-            </a:r>
-            <a:r>
-              <a:rPr lang="en-US" sz="1000" b="1" i="1" dirty="0" smtClean="0"/>
-              <a:t>-compute and </a:t>
-            </a:r>
-            <a:r>
-              <a:rPr lang="en-US" sz="1000" b="1" i="1" dirty="0" err="1" smtClean="0"/>
-              <a:t>ovsvapp</a:t>
-            </a:r>
-            <a:r>
-              <a:rPr lang="en-US" sz="1000" b="1" i="1" dirty="0" smtClean="0"/>
-              <a:t> ) MUST be a different subnet from the </a:t>
-            </a:r>
-            <a:r>
-              <a:rPr lang="en-US" sz="1000" b="1" i="1" dirty="0" err="1" smtClean="0"/>
-              <a:t>deployer</a:t>
-            </a:r>
-            <a:r>
-              <a:rPr lang="en-US" sz="1000" b="1" i="1" dirty="0" smtClean="0"/>
-              <a:t> network used by Cloud Controllers (and other Cobbler driven elements).  Customer should have a router to route across these two </a:t>
-            </a:r>
-            <a:r>
-              <a:rPr lang="en-US" sz="1000" b="1" i="1" dirty="0" err="1" smtClean="0"/>
-              <a:t>deployer</a:t>
-            </a:r>
-            <a:r>
-              <a:rPr lang="en-US" sz="1000" b="1" i="1" dirty="0" smtClean="0"/>
-              <a:t> networks. </a:t>
+              <a:t>-install</a:t>
             </a:r>
           </a:p>
           <a:p>
@@ -5747,7 +4825,7 @@
               <a:buFont typeface="Arial" panose="020B0604020202020204" pitchFamily="34" charset="0"/>
               <a:buChar char="•"/>
             </a:pPr>
-            <a:endParaRPr lang="en-US" sz="1000" b="1" i="1" dirty="0"/>
+            <a:endParaRPr lang="en-US" sz="1000" b="1" i="1" dirty="0" smtClean="0"/>
           </a:p>
           <a:p>
             <a:pPr marL="285750" indent="-285750">
@@ -5755,24 +4833,70 @@
               <a:buChar char="•"/>
             </a:pPr>
             <a:r>
+              <a:rPr lang="en-US" sz="1000" b="1" i="1" dirty="0" err="1" smtClean="0"/>
+              <a:t>vCenter</a:t>
+            </a:r>
+            <a:r>
               <a:rPr lang="en-US" sz="1000" b="1" i="1" dirty="0" smtClean="0"/>
-              <a:t>The elements </a:t>
+              <a:t> </a:t>
             </a:r>
             <a:r>
               <a:rPr lang="en-US" sz="1000" b="1" i="1" dirty="0" err="1" smtClean="0"/>
-              <a:t>esx</a:t>
+              <a:t>Deployer</a:t>
             </a:r>
             <a:r>
               <a:rPr lang="en-US" sz="1000" b="1" i="1" dirty="0" smtClean="0"/>
-              <a:t>-compute and </a:t>
+              <a:t> network must be reachable from the </a:t>
             </a:r>
             <a:r>
               <a:rPr lang="en-US" sz="1000" b="1" i="1" dirty="0" err="1" smtClean="0"/>
-              <a:t>ovsvapp</a:t>
+              <a:t>Deployer</a:t>
             </a:r>
             <a:r>
               <a:rPr lang="en-US" sz="1000" b="1" i="1" dirty="0" smtClean="0"/>
-              <a:t> need Datacenter Management Network (DCM) connectivity.  So please ensure DCM must be reachable from Cloud MGMT network.</a:t>
+              <a:t> for </a:t>
+            </a:r>
+            <a:r>
+              <a:rPr lang="en-US" sz="1000" b="1" i="1" dirty="0" err="1" smtClean="0"/>
+              <a:t>os</a:t>
+            </a:r>
+            <a:r>
+              <a:rPr lang="en-US" sz="1000" b="1" i="1" dirty="0" smtClean="0"/>
+              <a:t>-install/</a:t>
+            </a:r>
+            <a:r>
+              <a:rPr lang="en-US" sz="1000" b="1" i="1" dirty="0" err="1" smtClean="0"/>
+              <a:t>ansible</a:t>
+            </a:r>
+            <a:endParaRPr lang="en-US" sz="1000" b="1" i="1" dirty="0" smtClean="0"/>
+          </a:p>
+          <a:p>
+            <a:pPr marL="285750" indent="-285750">
+              <a:buFont typeface="Arial" panose="020B0604020202020204" pitchFamily="34" charset="0"/>
+              <a:buChar char="•"/>
+            </a:pPr>
+            <a:endParaRPr lang="en-US" sz="1000" b="1" i="1" dirty="0" smtClean="0"/>
+          </a:p>
+          <a:p>
+            <a:pPr marL="285750" indent="-285750">
+              <a:buFont typeface="Arial" panose="020B0604020202020204" pitchFamily="34" charset="0"/>
+              <a:buChar char="•"/>
+            </a:pPr>
+            <a:r>
+              <a:rPr lang="en-US" sz="1000" b="1" i="1" dirty="0" err="1" smtClean="0"/>
+              <a:t>DataCenter</a:t>
+            </a:r>
+            <a:r>
+              <a:rPr lang="en-US" sz="1000" b="1" i="1" dirty="0" smtClean="0"/>
+              <a:t> Management (DCM) network must be reachable from the MGMT network. </a:t>
+            </a:r>
+            <a:r>
+              <a:rPr lang="en-US" sz="1000" b="1" i="1" dirty="0" err="1" smtClean="0"/>
+              <a:t>vCenter</a:t>
+            </a:r>
+            <a:r>
+              <a:rPr lang="en-US" sz="1000" b="1" i="1" dirty="0" smtClean="0"/>
+              <a:t> server and its resources are part of this network.</a:t>
             </a:r>
           </a:p>
           <a:p>
@@ -5854,7 +4978,7 @@
         <p:spPr>
           <a:xfrm>
             <a:off x="179754" y="1187730"/>
-            <a:ext cx="1699248" cy="276999"/>
+            <a:ext cx="1688539" cy="276999"/>
           </a:xfrm>
           <a:prstGeom prst="rect">
             <a:avLst/>
@@ -5868,16 +4992,16 @@
           <a:lstStyle/>
           <a:p>
             <a:r>
+              <a:rPr lang="en-US" sz="1200" dirty="0" err="1" smtClean="0"/>
+              <a:t>DataCenter</a:t>
+            </a:r>
+            <a:r>
               <a:rPr lang="en-US" sz="1200" dirty="0" smtClean="0"/>
-              <a:t>DCM (</a:t>
+              <a:t> </a:t>
             </a:r>
             <a:r>
               <a:rPr lang="en-US" sz="1200" dirty="0" err="1" smtClean="0"/>
-              <a:t>Vcenter</a:t>
-            </a:r>
-            <a:r>
-              <a:rPr lang="en-US" sz="1200" dirty="0" smtClean="0"/>
-              <a:t>) Network</a:t>
+              <a:t>Managment</a:t>
             </a:r>
             <a:endParaRPr lang="en-US" sz="1200" dirty="0"/>
           </a:p>
@@ -5885,21 +5009,24 @@
       </p:sp>
       <p:cxnSp>
         <p:nvCxnSpPr>
-          <p:cNvPr id="45" name="Straight Connector 44"/>
+          <p:cNvPr id="82" name="Straight Connector 81"/>
           <p:cNvCxnSpPr/>
           <p:nvPr/>
         </p:nvCxnSpPr>
         <p:spPr>
-          <a:xfrm flipH="1" flipV="1">
-            <a:off x="3023004" y="1320070"/>
-            <a:ext cx="1" cy="1417773"/>
+          <a:xfrm flipV="1">
+            <a:off x="1805663" y="1458709"/>
+            <a:ext cx="8111967" cy="27634"/>
           </a:xfrm>
           <a:prstGeom prst="line">
             <a:avLst/>
           </a:prstGeom>
           <a:ln>
             <a:solidFill>
-              <a:srgbClr val="CC0099"/>
+              <a:schemeClr val="accent4">
+                <a:lumMod val="20000"/>
+                <a:lumOff val="80000"/>
+              </a:schemeClr>
             </a:solidFill>
           </a:ln>
         </p:spPr>
@@ -5912,6 +5039,850 @@
           </a:fillRef>
           <a:effectRef idx="0">
             <a:schemeClr val="accent1"/>
+          </a:effectRef>
+          <a:fontRef idx="minor">
+            <a:schemeClr val="tx1"/>
+          </a:fontRef>
+        </p:style>
+      </p:cxnSp>
+      <p:sp>
+        <p:nvSpPr>
+          <p:cNvPr id="84" name="TextBox 83"/>
+          <p:cNvSpPr txBox="1"/>
+          <p:nvPr/>
+        </p:nvSpPr>
+        <p:spPr>
+          <a:xfrm>
+            <a:off x="-94173" y="1347442"/>
+            <a:ext cx="1939955" cy="276999"/>
+          </a:xfrm>
+          <a:prstGeom prst="rect">
+            <a:avLst/>
+          </a:prstGeom>
+          <a:noFill/>
+        </p:spPr>
+        <p:txBody>
+          <a:bodyPr wrap="none" rtlCol="0">
+            <a:spAutoFit/>
+          </a:bodyPr>
+          <a:lstStyle/>
+          <a:p>
+            <a:r>
+              <a:rPr lang="en-US" sz="1200" dirty="0" smtClean="0"/>
+              <a:t>(</a:t>
+            </a:r>
+            <a:r>
+              <a:rPr lang="en-US" sz="1200" dirty="0" err="1" smtClean="0"/>
+              <a:t>vCenter</a:t>
+            </a:r>
+            <a:r>
+              <a:rPr lang="en-US" sz="1200" dirty="0" smtClean="0"/>
+              <a:t>) </a:t>
+            </a:r>
+            <a:r>
+              <a:rPr lang="en-US" sz="1200" dirty="0" err="1" smtClean="0"/>
+              <a:t>Deployer</a:t>
+            </a:r>
+            <a:r>
+              <a:rPr lang="en-US" sz="1200" dirty="0" smtClean="0"/>
+              <a:t> Network</a:t>
+            </a:r>
+            <a:endParaRPr lang="en-US" sz="1200" dirty="0"/>
+          </a:p>
+        </p:txBody>
+      </p:sp>
+      <p:sp>
+        <p:nvSpPr>
+          <p:cNvPr id="86" name="Rectangle 85"/>
+          <p:cNvSpPr/>
+          <p:nvPr/>
+        </p:nvSpPr>
+        <p:spPr>
+          <a:xfrm>
+            <a:off x="5104709" y="3031788"/>
+            <a:ext cx="4319451" cy="2304488"/>
+          </a:xfrm>
+          <a:prstGeom prst="rect">
+            <a:avLst/>
+          </a:prstGeom>
+          <a:solidFill>
+            <a:schemeClr val="bg1"/>
+          </a:solidFill>
+        </p:spPr>
+        <p:style>
+          <a:lnRef idx="2">
+            <a:schemeClr val="accent1">
+              <a:shade val="50000"/>
+            </a:schemeClr>
+          </a:lnRef>
+          <a:fillRef idx="1">
+            <a:schemeClr val="accent1"/>
+          </a:fillRef>
+          <a:effectRef idx="0">
+            <a:schemeClr val="accent1"/>
+          </a:effectRef>
+          <a:fontRef idx="minor">
+            <a:schemeClr val="lt1"/>
+          </a:fontRef>
+        </p:style>
+        <p:txBody>
+          <a:bodyPr rtlCol="0" anchor="b" anchorCtr="0"/>
+          <a:lstStyle/>
+          <a:p>
+            <a:pPr algn="r"/>
+            <a:r>
+              <a:rPr lang="en-US" sz="1200" dirty="0" err="1" smtClean="0">
+                <a:ln w="0"/>
+                <a:solidFill>
+                  <a:schemeClr val="tx1"/>
+                </a:solidFill>
+                <a:effectLst>
+                  <a:outerShdw blurRad="38100" dist="19050" dir="2700000" algn="tl" rotWithShape="0">
+                    <a:schemeClr val="dk1">
+                      <a:alpha val="40000"/>
+                    </a:schemeClr>
+                  </a:outerShdw>
+                </a:effectLst>
+              </a:rPr>
+              <a:t>vCenter</a:t>
+            </a:r>
+            <a:r>
+              <a:rPr lang="en-US" sz="1200" dirty="0" smtClean="0">
+                <a:ln w="0"/>
+                <a:solidFill>
+                  <a:schemeClr val="tx1"/>
+                </a:solidFill>
+                <a:effectLst>
+                  <a:outerShdw blurRad="38100" dist="19050" dir="2700000" algn="tl" rotWithShape="0">
+                    <a:schemeClr val="dk1">
+                      <a:alpha val="40000"/>
+                    </a:schemeClr>
+                  </a:outerShdw>
+                </a:effectLst>
+              </a:rPr>
+              <a:t> Datacenter</a:t>
+            </a:r>
+            <a:endParaRPr lang="en-US" sz="1200" dirty="0">
+              <a:ln w="0"/>
+              <a:solidFill>
+                <a:schemeClr val="tx1"/>
+              </a:solidFill>
+              <a:effectLst>
+                <a:outerShdw blurRad="38100" dist="19050" dir="2700000" algn="tl" rotWithShape="0">
+                  <a:schemeClr val="dk1">
+                    <a:alpha val="40000"/>
+                  </a:schemeClr>
+                </a:outerShdw>
+              </a:effectLst>
+            </a:endParaRPr>
+          </a:p>
+        </p:txBody>
+      </p:sp>
+      <p:sp>
+        <p:nvSpPr>
+          <p:cNvPr id="87" name="Rectangle 86"/>
+          <p:cNvSpPr/>
+          <p:nvPr/>
+        </p:nvSpPr>
+        <p:spPr>
+          <a:xfrm>
+            <a:off x="5435633" y="3963605"/>
+            <a:ext cx="3648893" cy="1154305"/>
+          </a:xfrm>
+          <a:prstGeom prst="rect">
+            <a:avLst/>
+          </a:prstGeom>
+          <a:solidFill>
+            <a:schemeClr val="bg1"/>
+          </a:solidFill>
+        </p:spPr>
+        <p:style>
+          <a:lnRef idx="2">
+            <a:schemeClr val="accent1">
+              <a:shade val="50000"/>
+            </a:schemeClr>
+          </a:lnRef>
+          <a:fillRef idx="1">
+            <a:schemeClr val="accent1"/>
+          </a:fillRef>
+          <a:effectRef idx="0">
+            <a:schemeClr val="accent1"/>
+          </a:effectRef>
+          <a:fontRef idx="minor">
+            <a:schemeClr val="lt1"/>
+          </a:fontRef>
+        </p:style>
+        <p:txBody>
+          <a:bodyPr rtlCol="0" anchor="b" anchorCtr="0"/>
+          <a:lstStyle/>
+          <a:p>
+            <a:pPr algn="r"/>
+            <a:r>
+              <a:rPr lang="en-US" sz="1200" dirty="0" err="1" smtClean="0">
+                <a:ln w="0"/>
+                <a:solidFill>
+                  <a:schemeClr val="tx1"/>
+                </a:solidFill>
+                <a:effectLst>
+                  <a:outerShdw blurRad="38100" dist="19050" dir="2700000" algn="tl" rotWithShape="0">
+                    <a:schemeClr val="dk1">
+                      <a:alpha val="40000"/>
+                    </a:schemeClr>
+                  </a:outerShdw>
+                </a:effectLst>
+              </a:rPr>
+              <a:t>vCenter</a:t>
+            </a:r>
+            <a:r>
+              <a:rPr lang="en-US" sz="1200" dirty="0" smtClean="0">
+                <a:ln w="0"/>
+                <a:solidFill>
+                  <a:schemeClr val="tx1"/>
+                </a:solidFill>
+                <a:effectLst>
+                  <a:outerShdw blurRad="38100" dist="19050" dir="2700000" algn="tl" rotWithShape="0">
+                    <a:schemeClr val="dk1">
+                      <a:alpha val="40000"/>
+                    </a:schemeClr>
+                  </a:outerShdw>
+                </a:effectLst>
+              </a:rPr>
+              <a:t> Cluster</a:t>
+            </a:r>
+            <a:endParaRPr lang="en-US" sz="1200" dirty="0">
+              <a:ln w="0"/>
+              <a:solidFill>
+                <a:schemeClr val="tx1"/>
+              </a:solidFill>
+              <a:effectLst>
+                <a:outerShdw blurRad="38100" dist="19050" dir="2700000" algn="tl" rotWithShape="0">
+                  <a:schemeClr val="dk1">
+                    <a:alpha val="40000"/>
+                  </a:schemeClr>
+                </a:outerShdw>
+              </a:effectLst>
+            </a:endParaRPr>
+          </a:p>
+        </p:txBody>
+      </p:sp>
+      <p:sp>
+        <p:nvSpPr>
+          <p:cNvPr id="88" name="Rectangle 87"/>
+          <p:cNvSpPr/>
+          <p:nvPr/>
+        </p:nvSpPr>
+        <p:spPr>
+          <a:xfrm>
+            <a:off x="5548846" y="4268404"/>
+            <a:ext cx="1593668" cy="579175"/>
+          </a:xfrm>
+          <a:prstGeom prst="rect">
+            <a:avLst/>
+          </a:prstGeom>
+        </p:spPr>
+        <p:style>
+          <a:lnRef idx="2">
+            <a:schemeClr val="accent1">
+              <a:shade val="50000"/>
+            </a:schemeClr>
+          </a:lnRef>
+          <a:fillRef idx="1">
+            <a:schemeClr val="accent1"/>
+          </a:fillRef>
+          <a:effectRef idx="0">
+            <a:schemeClr val="accent1"/>
+          </a:effectRef>
+          <a:fontRef idx="minor">
+            <a:schemeClr val="lt1"/>
+          </a:fontRef>
+        </p:style>
+        <p:txBody>
+          <a:bodyPr rtlCol="0" anchor="ctr"/>
+          <a:lstStyle/>
+          <a:p>
+            <a:pPr algn="ctr"/>
+            <a:r>
+              <a:rPr lang="en-US" sz="1200" dirty="0" smtClean="0"/>
+              <a:t>ESX Compute Proxy</a:t>
+            </a:r>
+            <a:endParaRPr lang="en-US" sz="1200" dirty="0"/>
+          </a:p>
+        </p:txBody>
+      </p:sp>
+      <p:sp>
+        <p:nvSpPr>
+          <p:cNvPr id="89" name="Rectangle 88"/>
+          <p:cNvSpPr/>
+          <p:nvPr/>
+        </p:nvSpPr>
+        <p:spPr>
+          <a:xfrm>
+            <a:off x="7307977" y="4268404"/>
+            <a:ext cx="1593668" cy="579175"/>
+          </a:xfrm>
+          <a:prstGeom prst="rect">
+            <a:avLst/>
+          </a:prstGeom>
+        </p:spPr>
+        <p:style>
+          <a:lnRef idx="2">
+            <a:schemeClr val="accent1">
+              <a:shade val="50000"/>
+            </a:schemeClr>
+          </a:lnRef>
+          <a:fillRef idx="1">
+            <a:schemeClr val="accent1"/>
+          </a:fillRef>
+          <a:effectRef idx="0">
+            <a:schemeClr val="accent1"/>
+          </a:effectRef>
+          <a:fontRef idx="minor">
+            <a:schemeClr val="lt1"/>
+          </a:fontRef>
+        </p:style>
+        <p:txBody>
+          <a:bodyPr rtlCol="0" anchor="ctr"/>
+          <a:lstStyle/>
+          <a:p>
+            <a:pPr algn="ctr"/>
+            <a:r>
+              <a:rPr lang="en-US" sz="1200" dirty="0" smtClean="0"/>
+              <a:t>ESX </a:t>
+            </a:r>
+            <a:r>
+              <a:rPr lang="en-US" sz="1200" dirty="0" err="1" smtClean="0"/>
+              <a:t>OVSvApp</a:t>
+            </a:r>
+            <a:endParaRPr lang="en-US" sz="1200" dirty="0"/>
+          </a:p>
+        </p:txBody>
+      </p:sp>
+      <p:sp>
+        <p:nvSpPr>
+          <p:cNvPr id="91" name="Rectangle 90"/>
+          <p:cNvSpPr/>
+          <p:nvPr/>
+        </p:nvSpPr>
+        <p:spPr>
+          <a:xfrm>
+            <a:off x="5532730" y="3249501"/>
+            <a:ext cx="1461738" cy="352698"/>
+          </a:xfrm>
+          <a:prstGeom prst="rect">
+            <a:avLst/>
+          </a:prstGeom>
+          <a:solidFill>
+            <a:schemeClr val="bg1"/>
+          </a:solidFill>
+        </p:spPr>
+        <p:style>
+          <a:lnRef idx="2">
+            <a:schemeClr val="accent6">
+              <a:shade val="50000"/>
+            </a:schemeClr>
+          </a:lnRef>
+          <a:fillRef idx="1">
+            <a:schemeClr val="accent6"/>
+          </a:fillRef>
+          <a:effectRef idx="0">
+            <a:schemeClr val="accent6"/>
+          </a:effectRef>
+          <a:fontRef idx="minor">
+            <a:schemeClr val="lt1"/>
+          </a:fontRef>
+        </p:style>
+        <p:txBody>
+          <a:bodyPr rtlCol="0" anchor="b" anchorCtr="0"/>
+          <a:lstStyle/>
+          <a:p>
+            <a:pPr algn="r"/>
+            <a:r>
+              <a:rPr lang="en-US" sz="600" dirty="0" smtClean="0">
+                <a:solidFill>
+                  <a:schemeClr val="tx1"/>
+                </a:solidFill>
+              </a:rPr>
+              <a:t>dvs1</a:t>
+            </a:r>
+            <a:endParaRPr lang="en-US" sz="600" dirty="0">
+              <a:solidFill>
+                <a:schemeClr val="tx1"/>
+              </a:solidFill>
+            </a:endParaRPr>
+          </a:p>
+        </p:txBody>
+      </p:sp>
+      <p:sp>
+        <p:nvSpPr>
+          <p:cNvPr id="93" name="Rectangle 92"/>
+          <p:cNvSpPr/>
+          <p:nvPr/>
+        </p:nvSpPr>
+        <p:spPr>
+          <a:xfrm>
+            <a:off x="8503227" y="3256032"/>
+            <a:ext cx="796835" cy="352698"/>
+          </a:xfrm>
+          <a:prstGeom prst="rect">
+            <a:avLst/>
+          </a:prstGeom>
+          <a:solidFill>
+            <a:schemeClr val="bg1"/>
+          </a:solidFill>
+        </p:spPr>
+        <p:style>
+          <a:lnRef idx="2">
+            <a:schemeClr val="accent6">
+              <a:shade val="50000"/>
+            </a:schemeClr>
+          </a:lnRef>
+          <a:fillRef idx="1">
+            <a:schemeClr val="accent6"/>
+          </a:fillRef>
+          <a:effectRef idx="0">
+            <a:schemeClr val="accent6"/>
+          </a:effectRef>
+          <a:fontRef idx="minor">
+            <a:schemeClr val="lt1"/>
+          </a:fontRef>
+        </p:style>
+        <p:txBody>
+          <a:bodyPr rtlCol="0" anchor="b" anchorCtr="0"/>
+          <a:lstStyle/>
+          <a:p>
+            <a:pPr algn="r"/>
+            <a:r>
+              <a:rPr lang="en-US" sz="600" dirty="0" smtClean="0">
+                <a:solidFill>
+                  <a:schemeClr val="tx1"/>
+                </a:solidFill>
+              </a:rPr>
+              <a:t>dvs3</a:t>
+            </a:r>
+            <a:endParaRPr lang="en-US" sz="600" dirty="0">
+              <a:solidFill>
+                <a:schemeClr val="tx1"/>
+              </a:solidFill>
+            </a:endParaRPr>
+          </a:p>
+        </p:txBody>
+      </p:sp>
+      <p:sp>
+        <p:nvSpPr>
+          <p:cNvPr id="108" name="Rectangle 107"/>
+          <p:cNvSpPr/>
+          <p:nvPr/>
+        </p:nvSpPr>
+        <p:spPr>
+          <a:xfrm>
+            <a:off x="5627223" y="3345295"/>
+            <a:ext cx="470263" cy="174172"/>
+          </a:xfrm>
+          <a:prstGeom prst="rect">
+            <a:avLst/>
+          </a:prstGeom>
+        </p:spPr>
+        <p:style>
+          <a:lnRef idx="2">
+            <a:schemeClr val="accent1">
+              <a:shade val="50000"/>
+            </a:schemeClr>
+          </a:lnRef>
+          <a:fillRef idx="1">
+            <a:schemeClr val="accent1"/>
+          </a:fillRef>
+          <a:effectRef idx="0">
+            <a:schemeClr val="accent1"/>
+          </a:effectRef>
+          <a:fontRef idx="minor">
+            <a:schemeClr val="lt1"/>
+          </a:fontRef>
+        </p:style>
+        <p:txBody>
+          <a:bodyPr rtlCol="0" anchor="ctr"/>
+          <a:lstStyle/>
+          <a:p>
+            <a:pPr algn="ctr"/>
+            <a:r>
+              <a:rPr lang="en-US" sz="600" dirty="0" smtClean="0"/>
+              <a:t>pg1</a:t>
+            </a:r>
+            <a:endParaRPr lang="en-US" sz="600" dirty="0"/>
+          </a:p>
+        </p:txBody>
+      </p:sp>
+      <p:sp>
+        <p:nvSpPr>
+          <p:cNvPr id="109" name="Rectangle 108"/>
+          <p:cNvSpPr/>
+          <p:nvPr/>
+        </p:nvSpPr>
+        <p:spPr>
+          <a:xfrm>
+            <a:off x="6245531" y="3338764"/>
+            <a:ext cx="470263" cy="174172"/>
+          </a:xfrm>
+          <a:prstGeom prst="rect">
+            <a:avLst/>
+          </a:prstGeom>
+        </p:spPr>
+        <p:style>
+          <a:lnRef idx="2">
+            <a:schemeClr val="accent1">
+              <a:shade val="50000"/>
+            </a:schemeClr>
+          </a:lnRef>
+          <a:fillRef idx="1">
+            <a:schemeClr val="accent1"/>
+          </a:fillRef>
+          <a:effectRef idx="0">
+            <a:schemeClr val="accent1"/>
+          </a:effectRef>
+          <a:fontRef idx="minor">
+            <a:schemeClr val="lt1"/>
+          </a:fontRef>
+        </p:style>
+        <p:txBody>
+          <a:bodyPr rtlCol="0" anchor="ctr"/>
+          <a:lstStyle/>
+          <a:p>
+            <a:pPr algn="ctr"/>
+            <a:r>
+              <a:rPr lang="en-US" sz="600" dirty="0" smtClean="0"/>
+              <a:t>pg2</a:t>
+            </a:r>
+            <a:endParaRPr lang="en-US" sz="600" dirty="0"/>
+          </a:p>
+        </p:txBody>
+      </p:sp>
+      <p:sp>
+        <p:nvSpPr>
+          <p:cNvPr id="111" name="Rectangle 110"/>
+          <p:cNvSpPr/>
+          <p:nvPr/>
+        </p:nvSpPr>
+        <p:spPr>
+          <a:xfrm>
+            <a:off x="8722481" y="3306050"/>
+            <a:ext cx="470263" cy="174172"/>
+          </a:xfrm>
+          <a:prstGeom prst="rect">
+            <a:avLst/>
+          </a:prstGeom>
+        </p:spPr>
+        <p:style>
+          <a:lnRef idx="2">
+            <a:schemeClr val="accent1">
+              <a:shade val="50000"/>
+            </a:schemeClr>
+          </a:lnRef>
+          <a:fillRef idx="1">
+            <a:schemeClr val="accent1"/>
+          </a:fillRef>
+          <a:effectRef idx="0">
+            <a:schemeClr val="accent1"/>
+          </a:effectRef>
+          <a:fontRef idx="minor">
+            <a:schemeClr val="lt1"/>
+          </a:fontRef>
+        </p:style>
+        <p:txBody>
+          <a:bodyPr rtlCol="0" anchor="ctr"/>
+          <a:lstStyle/>
+          <a:p>
+            <a:pPr algn="ctr"/>
+            <a:r>
+              <a:rPr lang="en-US" sz="600" dirty="0" smtClean="0"/>
+              <a:t>pg4</a:t>
+            </a:r>
+            <a:endParaRPr lang="en-US" sz="600" dirty="0"/>
+          </a:p>
+        </p:txBody>
+      </p:sp>
+      <p:sp>
+        <p:nvSpPr>
+          <p:cNvPr id="115" name="Rectangle 114"/>
+          <p:cNvSpPr/>
+          <p:nvPr/>
+        </p:nvSpPr>
+        <p:spPr>
+          <a:xfrm>
+            <a:off x="5818809" y="4172608"/>
+            <a:ext cx="383178" cy="191589"/>
+          </a:xfrm>
+          <a:prstGeom prst="rect">
+            <a:avLst/>
+          </a:prstGeom>
+          <a:solidFill>
+            <a:schemeClr val="tx2">
+              <a:lumMod val="60000"/>
+              <a:lumOff val="40000"/>
+            </a:schemeClr>
+          </a:solidFill>
+        </p:spPr>
+        <p:style>
+          <a:lnRef idx="2">
+            <a:schemeClr val="accent1">
+              <a:shade val="50000"/>
+            </a:schemeClr>
+          </a:lnRef>
+          <a:fillRef idx="1">
+            <a:schemeClr val="accent1"/>
+          </a:fillRef>
+          <a:effectRef idx="0">
+            <a:schemeClr val="accent1"/>
+          </a:effectRef>
+          <a:fontRef idx="minor">
+            <a:schemeClr val="lt1"/>
+          </a:fontRef>
+        </p:style>
+        <p:txBody>
+          <a:bodyPr rtlCol="0" anchor="ctr"/>
+          <a:lstStyle/>
+          <a:p>
+            <a:pPr algn="ctr"/>
+            <a:r>
+              <a:rPr lang="en-US" sz="800" dirty="0" smtClean="0"/>
+              <a:t>eth0</a:t>
+            </a:r>
+            <a:endParaRPr lang="en-US" sz="800" dirty="0"/>
+          </a:p>
+        </p:txBody>
+      </p:sp>
+      <p:sp>
+        <p:nvSpPr>
+          <p:cNvPr id="118" name="Rectangle 117"/>
+          <p:cNvSpPr/>
+          <p:nvPr/>
+        </p:nvSpPr>
+        <p:spPr>
+          <a:xfrm>
+            <a:off x="6384868" y="4172609"/>
+            <a:ext cx="383178" cy="191589"/>
+          </a:xfrm>
+          <a:prstGeom prst="rect">
+            <a:avLst/>
+          </a:prstGeom>
+          <a:solidFill>
+            <a:schemeClr val="tx2">
+              <a:lumMod val="60000"/>
+              <a:lumOff val="40000"/>
+            </a:schemeClr>
+          </a:solidFill>
+        </p:spPr>
+        <p:style>
+          <a:lnRef idx="2">
+            <a:schemeClr val="accent1">
+              <a:shade val="50000"/>
+            </a:schemeClr>
+          </a:lnRef>
+          <a:fillRef idx="1">
+            <a:schemeClr val="accent1"/>
+          </a:fillRef>
+          <a:effectRef idx="0">
+            <a:schemeClr val="accent1"/>
+          </a:effectRef>
+          <a:fontRef idx="minor">
+            <a:schemeClr val="lt1"/>
+          </a:fontRef>
+        </p:style>
+        <p:txBody>
+          <a:bodyPr rtlCol="0" anchor="ctr"/>
+          <a:lstStyle/>
+          <a:p>
+            <a:pPr algn="ctr"/>
+            <a:r>
+              <a:rPr lang="en-US" sz="800" dirty="0" smtClean="0"/>
+              <a:t>eth1</a:t>
+            </a:r>
+            <a:endParaRPr lang="en-US" sz="800" dirty="0"/>
+          </a:p>
+        </p:txBody>
+      </p:sp>
+      <p:sp>
+        <p:nvSpPr>
+          <p:cNvPr id="120" name="Rectangle 119"/>
+          <p:cNvSpPr/>
+          <p:nvPr/>
+        </p:nvSpPr>
+        <p:spPr>
+          <a:xfrm>
+            <a:off x="7328426" y="4194378"/>
+            <a:ext cx="353379" cy="169819"/>
+          </a:xfrm>
+          <a:prstGeom prst="rect">
+            <a:avLst/>
+          </a:prstGeom>
+          <a:solidFill>
+            <a:schemeClr val="tx2">
+              <a:lumMod val="60000"/>
+              <a:lumOff val="40000"/>
+            </a:schemeClr>
+          </a:solidFill>
+        </p:spPr>
+        <p:style>
+          <a:lnRef idx="2">
+            <a:schemeClr val="accent1">
+              <a:shade val="50000"/>
+            </a:schemeClr>
+          </a:lnRef>
+          <a:fillRef idx="1">
+            <a:schemeClr val="accent1"/>
+          </a:fillRef>
+          <a:effectRef idx="0">
+            <a:schemeClr val="accent1"/>
+          </a:effectRef>
+          <a:fontRef idx="minor">
+            <a:schemeClr val="lt1"/>
+          </a:fontRef>
+        </p:style>
+        <p:txBody>
+          <a:bodyPr rtlCol="0" anchor="ctr"/>
+          <a:lstStyle/>
+          <a:p>
+            <a:pPr algn="ctr"/>
+            <a:r>
+              <a:rPr lang="en-US" sz="600" dirty="0" smtClean="0"/>
+              <a:t>eth0</a:t>
+            </a:r>
+            <a:endParaRPr lang="en-US" sz="600" dirty="0"/>
+          </a:p>
+        </p:txBody>
+      </p:sp>
+      <p:sp>
+        <p:nvSpPr>
+          <p:cNvPr id="122" name="Rectangle 121"/>
+          <p:cNvSpPr/>
+          <p:nvPr/>
+        </p:nvSpPr>
+        <p:spPr>
+          <a:xfrm>
+            <a:off x="7782731" y="4172609"/>
+            <a:ext cx="328869" cy="191589"/>
+          </a:xfrm>
+          <a:prstGeom prst="rect">
+            <a:avLst/>
+          </a:prstGeom>
+          <a:solidFill>
+            <a:schemeClr val="tx2">
+              <a:lumMod val="60000"/>
+              <a:lumOff val="40000"/>
+            </a:schemeClr>
+          </a:solidFill>
+        </p:spPr>
+        <p:style>
+          <a:lnRef idx="2">
+            <a:schemeClr val="accent1">
+              <a:shade val="50000"/>
+            </a:schemeClr>
+          </a:lnRef>
+          <a:fillRef idx="1">
+            <a:schemeClr val="accent1"/>
+          </a:fillRef>
+          <a:effectRef idx="0">
+            <a:schemeClr val="accent1"/>
+          </a:effectRef>
+          <a:fontRef idx="minor">
+            <a:schemeClr val="lt1"/>
+          </a:fontRef>
+        </p:style>
+        <p:txBody>
+          <a:bodyPr rtlCol="0" anchor="ctr"/>
+          <a:lstStyle/>
+          <a:p>
+            <a:pPr algn="ctr"/>
+            <a:r>
+              <a:rPr lang="en-US" sz="600" dirty="0" smtClean="0"/>
+              <a:t>eth1</a:t>
+            </a:r>
+            <a:endParaRPr lang="en-US" sz="600" dirty="0"/>
+          </a:p>
+        </p:txBody>
+      </p:sp>
+      <p:sp>
+        <p:nvSpPr>
+          <p:cNvPr id="123" name="Rectangle 122"/>
+          <p:cNvSpPr/>
+          <p:nvPr/>
+        </p:nvSpPr>
+        <p:spPr>
+          <a:xfrm>
+            <a:off x="8540144" y="4194216"/>
+            <a:ext cx="339961" cy="169819"/>
+          </a:xfrm>
+          <a:prstGeom prst="rect">
+            <a:avLst/>
+          </a:prstGeom>
+          <a:solidFill>
+            <a:schemeClr val="tx2">
+              <a:lumMod val="60000"/>
+              <a:lumOff val="40000"/>
+            </a:schemeClr>
+          </a:solidFill>
+        </p:spPr>
+        <p:style>
+          <a:lnRef idx="2">
+            <a:schemeClr val="accent1">
+              <a:shade val="50000"/>
+            </a:schemeClr>
+          </a:lnRef>
+          <a:fillRef idx="1">
+            <a:schemeClr val="accent1"/>
+          </a:fillRef>
+          <a:effectRef idx="0">
+            <a:schemeClr val="accent1"/>
+          </a:effectRef>
+          <a:fontRef idx="minor">
+            <a:schemeClr val="lt1"/>
+          </a:fontRef>
+        </p:style>
+        <p:txBody>
+          <a:bodyPr rtlCol="0" anchor="ctr"/>
+          <a:lstStyle/>
+          <a:p>
+            <a:pPr algn="ctr"/>
+            <a:r>
+              <a:rPr lang="en-US" sz="600" dirty="0" smtClean="0"/>
+              <a:t>eth3</a:t>
+            </a:r>
+            <a:endParaRPr lang="en-US" sz="600" dirty="0"/>
+          </a:p>
+        </p:txBody>
+      </p:sp>
+      <p:cxnSp>
+        <p:nvCxnSpPr>
+          <p:cNvPr id="125" name="Straight Connector 124"/>
+          <p:cNvCxnSpPr>
+            <a:stCxn id="108" idx="2"/>
+          </p:cNvCxnSpPr>
+          <p:nvPr/>
+        </p:nvCxnSpPr>
+        <p:spPr>
+          <a:xfrm flipH="1">
+            <a:off x="5862354" y="3519467"/>
+            <a:ext cx="1" cy="243838"/>
+          </a:xfrm>
+          <a:prstGeom prst="line">
+            <a:avLst/>
+          </a:prstGeom>
+          <a:ln w="25400">
+            <a:solidFill>
+              <a:schemeClr val="accent4">
+                <a:lumMod val="20000"/>
+                <a:lumOff val="80000"/>
+              </a:schemeClr>
+            </a:solidFill>
+          </a:ln>
+        </p:spPr>
+        <p:style>
+          <a:lnRef idx="1">
+            <a:schemeClr val="dk1"/>
+          </a:lnRef>
+          <a:fillRef idx="0">
+            <a:schemeClr val="dk1"/>
+          </a:fillRef>
+          <a:effectRef idx="0">
+            <a:schemeClr val="dk1"/>
           </a:effectRef>
           <a:fontRef idx="minor">
             <a:schemeClr val="tx1"/>
@@ -5920,33 +5891,36 @@
       </p:cxnSp>
       <p:cxnSp>
         <p:nvCxnSpPr>
-          <p:cNvPr id="52" name="Straight Connector 51"/>
+          <p:cNvPr id="127" name="Straight Connector 126"/>
           <p:cNvCxnSpPr/>
           <p:nvPr/>
         </p:nvCxnSpPr>
         <p:spPr>
           <a:xfrm>
-            <a:off x="7059156" y="1320683"/>
-            <a:ext cx="1" cy="1409605"/>
+            <a:off x="5862354" y="3754598"/>
+            <a:ext cx="1614619" cy="0"/>
           </a:xfrm>
           <a:prstGeom prst="line">
             <a:avLst/>
           </a:prstGeom>
-          <a:ln>
+          <a:ln w="25400">
             <a:solidFill>
-              <a:srgbClr val="CC0099"/>
+              <a:schemeClr val="accent4">
+                <a:lumMod val="20000"/>
+                <a:lumOff val="80000"/>
+              </a:schemeClr>
             </a:solidFill>
           </a:ln>
         </p:spPr>
         <p:style>
           <a:lnRef idx="1">
-            <a:schemeClr val="accent1"/>
+            <a:schemeClr val="dk1"/>
           </a:lnRef>
           <a:fillRef idx="0">
-            <a:schemeClr val="accent1"/>
-          </a:fillRef>
-          <a:effectRef idx="0">
-            <a:schemeClr val="accent1"/>
+            <a:schemeClr val="dk1"/>
+          </a:fillRef>
+          <a:effectRef idx="0">
+            <a:schemeClr val="dk1"/>
           </a:effectRef>
           <a:fontRef idx="minor">
             <a:schemeClr val="tx1"/>
@@ -5955,33 +5929,36 @@
       </p:cxnSp>
       <p:cxnSp>
         <p:nvCxnSpPr>
-          <p:cNvPr id="95" name="Straight Connector 94"/>
+          <p:cNvPr id="129" name="Straight Connector 128"/>
           <p:cNvCxnSpPr/>
           <p:nvPr/>
         </p:nvCxnSpPr>
         <p:spPr>
-          <a:xfrm>
-            <a:off x="7042883" y="2862461"/>
-            <a:ext cx="2222" cy="806248"/>
+          <a:xfrm flipH="1">
+            <a:off x="6001688" y="3754598"/>
+            <a:ext cx="8710" cy="413656"/>
           </a:xfrm>
           <a:prstGeom prst="line">
             <a:avLst/>
           </a:prstGeom>
-          <a:ln>
+          <a:ln w="25400">
             <a:solidFill>
-              <a:srgbClr val="CC0099"/>
+              <a:schemeClr val="accent4">
+                <a:lumMod val="20000"/>
+                <a:lumOff val="80000"/>
+              </a:schemeClr>
             </a:solidFill>
           </a:ln>
         </p:spPr>
         <p:style>
           <a:lnRef idx="1">
-            <a:schemeClr val="accent1"/>
+            <a:schemeClr val="dk1"/>
           </a:lnRef>
           <a:fillRef idx="0">
-            <a:schemeClr val="accent1"/>
-          </a:fillRef>
-          <a:effectRef idx="0">
-            <a:schemeClr val="accent1"/>
+            <a:schemeClr val="dk1"/>
+          </a:fillRef>
+          <a:effectRef idx="0">
+            <a:schemeClr val="dk1"/>
           </a:effectRef>
           <a:fontRef idx="minor">
             <a:schemeClr val="tx1"/>
@@ -5990,33 +5967,36 @@
       </p:cxnSp>
       <p:cxnSp>
         <p:nvCxnSpPr>
-          <p:cNvPr id="97" name="Straight Connector 96"/>
+          <p:cNvPr id="130" name="Straight Connector 129"/>
           <p:cNvCxnSpPr/>
           <p:nvPr/>
         </p:nvCxnSpPr>
         <p:spPr>
-          <a:xfrm flipH="1">
-            <a:off x="3026809" y="3664813"/>
-            <a:ext cx="1" cy="231785"/>
+          <a:xfrm>
+            <a:off x="7478116" y="3762784"/>
+            <a:ext cx="7734" cy="441747"/>
           </a:xfrm>
           <a:prstGeom prst="line">
             <a:avLst/>
           </a:prstGeom>
-          <a:ln>
+          <a:ln w="25400">
             <a:solidFill>
-              <a:srgbClr val="C00000"/>
+              <a:schemeClr val="accent4">
+                <a:lumMod val="20000"/>
+                <a:lumOff val="80000"/>
+              </a:schemeClr>
             </a:solidFill>
           </a:ln>
         </p:spPr>
         <p:style>
           <a:lnRef idx="1">
-            <a:schemeClr val="accent1"/>
+            <a:schemeClr val="dk1"/>
           </a:lnRef>
           <a:fillRef idx="0">
-            <a:schemeClr val="accent1"/>
-          </a:fillRef>
-          <a:effectRef idx="0">
-            <a:schemeClr val="accent1"/>
+            <a:schemeClr val="dk1"/>
+          </a:fillRef>
+          <a:effectRef idx="0">
+            <a:schemeClr val="dk1"/>
           </a:effectRef>
           <a:fontRef idx="minor">
             <a:schemeClr val="tx1"/>
@@ -6025,33 +6005,35 @@
       </p:cxnSp>
       <p:cxnSp>
         <p:nvCxnSpPr>
-          <p:cNvPr id="101" name="Straight Connector 100"/>
-          <p:cNvCxnSpPr/>
+          <p:cNvPr id="132" name="Straight Connector 131"/>
+          <p:cNvCxnSpPr>
+            <a:stCxn id="109" idx="2"/>
+          </p:cNvCxnSpPr>
           <p:nvPr/>
         </p:nvCxnSpPr>
         <p:spPr>
-          <a:xfrm>
-            <a:off x="3031407" y="4505714"/>
-            <a:ext cx="0" cy="329075"/>
+          <a:xfrm flipH="1">
+            <a:off x="6480662" y="3512936"/>
+            <a:ext cx="1" cy="361406"/>
           </a:xfrm>
           <a:prstGeom prst="line">
             <a:avLst/>
           </a:prstGeom>
-          <a:ln>
+          <a:ln w="25400">
             <a:solidFill>
-              <a:srgbClr val="C00000"/>
+              <a:schemeClr val="tx1"/>
             </a:solidFill>
           </a:ln>
         </p:spPr>
         <p:style>
           <a:lnRef idx="1">
-            <a:schemeClr val="accent1"/>
+            <a:schemeClr val="dk1"/>
           </a:lnRef>
           <a:fillRef idx="0">
-            <a:schemeClr val="accent1"/>
-          </a:fillRef>
-          <a:effectRef idx="0">
-            <a:schemeClr val="accent1"/>
+            <a:schemeClr val="dk1"/>
+          </a:fillRef>
+          <a:effectRef idx="0">
+            <a:schemeClr val="dk1"/>
           </a:effectRef>
           <a:fontRef idx="minor">
             <a:schemeClr val="tx1"/>
@@ -6060,23 +6042,24 @@
       </p:cxnSp>
       <p:cxnSp>
         <p:nvCxnSpPr>
-          <p:cNvPr id="103" name="Straight Connector 102"/>
-          <p:cNvCxnSpPr/>
+          <p:cNvPr id="133" name="Elbow Connector 132"/>
+          <p:cNvCxnSpPr>
+            <a:stCxn id="111" idx="2"/>
+            <a:endCxn id="123" idx="0"/>
+          </p:cNvCxnSpPr>
           <p:nvPr/>
         </p:nvCxnSpPr>
         <p:spPr>
-          <a:xfrm>
-            <a:off x="3042508" y="2872690"/>
-            <a:ext cx="0" cy="170537"/>
-          </a:xfrm>
-          <a:prstGeom prst="line">
-            <a:avLst/>
-          </a:prstGeom>
-          <a:ln>
-            <a:solidFill>
-              <a:srgbClr val="C00000"/>
-            </a:solidFill>
-          </a:ln>
+          <a:xfrm rot="5400000">
+            <a:off x="8476872" y="3713475"/>
+            <a:ext cx="713994" cy="247488"/>
+          </a:xfrm>
+          <a:prstGeom prst="bentConnector3">
+            <a:avLst>
+              <a:gd name="adj1" fmla="val 50000"/>
+            </a:avLst>
+          </a:prstGeom>
+          <a:ln w="25400"/>
         </p:spPr>
         <p:style>
           <a:lnRef idx="1">
@@ -6095,21 +6078,21 @@
       </p:cxnSp>
       <p:cxnSp>
         <p:nvCxnSpPr>
-          <p:cNvPr id="105" name="Straight Connector 104"/>
+          <p:cNvPr id="135" name="Straight Connector 134"/>
           <p:cNvCxnSpPr/>
           <p:nvPr/>
         </p:nvCxnSpPr>
         <p:spPr>
           <a:xfrm>
-            <a:off x="8401438" y="1326972"/>
-            <a:ext cx="1" cy="1409605"/>
+            <a:off x="6480662" y="3874342"/>
+            <a:ext cx="1466504" cy="0"/>
           </a:xfrm>
           <a:prstGeom prst="line">
             <a:avLst/>
           </a:prstGeom>
-          <a:ln>
+          <a:ln w="25400">
             <a:solidFill>
-              <a:srgbClr val="CC0099"/>
+              <a:schemeClr val="tx1"/>
             </a:solidFill>
           </a:ln>
         </p:spPr>
@@ -6130,21 +6113,468 @@
       </p:cxnSp>
       <p:cxnSp>
         <p:nvCxnSpPr>
-          <p:cNvPr id="107" name="Straight Connector 106"/>
+          <p:cNvPr id="136" name="Straight Connector 135"/>
+          <p:cNvCxnSpPr>
+            <a:endCxn id="122" idx="0"/>
+          </p:cNvCxnSpPr>
+          <p:nvPr/>
+        </p:nvCxnSpPr>
+        <p:spPr>
+          <a:xfrm flipH="1">
+            <a:off x="7947166" y="3874342"/>
+            <a:ext cx="1215" cy="298267"/>
+          </a:xfrm>
+          <a:prstGeom prst="line">
+            <a:avLst/>
+          </a:prstGeom>
+          <a:ln w="25400">
+            <a:solidFill>
+              <a:schemeClr val="tx1"/>
+            </a:solidFill>
+          </a:ln>
+        </p:spPr>
+        <p:style>
+          <a:lnRef idx="1">
+            <a:schemeClr val="accent1"/>
+          </a:lnRef>
+          <a:fillRef idx="0">
+            <a:schemeClr val="accent1"/>
+          </a:fillRef>
+          <a:effectRef idx="0">
+            <a:schemeClr val="accent1"/>
+          </a:effectRef>
+          <a:fontRef idx="minor">
+            <a:schemeClr val="tx1"/>
+          </a:fontRef>
+        </p:style>
+      </p:cxnSp>
+      <p:cxnSp>
+        <p:nvCxnSpPr>
+          <p:cNvPr id="137" name="Straight Connector 136"/>
           <p:cNvCxnSpPr/>
           <p:nvPr/>
         </p:nvCxnSpPr>
         <p:spPr>
           <a:xfrm>
-            <a:off x="8399216" y="2868831"/>
-            <a:ext cx="2222" cy="806248"/>
+            <a:off x="6581125" y="3875251"/>
+            <a:ext cx="4" cy="313505"/>
+          </a:xfrm>
+          <a:prstGeom prst="line">
+            <a:avLst/>
+          </a:prstGeom>
+          <a:ln w="25400">
+            <a:solidFill>
+              <a:schemeClr val="tx1"/>
+            </a:solidFill>
+          </a:ln>
+        </p:spPr>
+        <p:style>
+          <a:lnRef idx="1">
+            <a:schemeClr val="accent1"/>
+          </a:lnRef>
+          <a:fillRef idx="0">
+            <a:schemeClr val="accent1"/>
+          </a:fillRef>
+          <a:effectRef idx="0">
+            <a:schemeClr val="accent1"/>
+          </a:effectRef>
+          <a:fontRef idx="minor">
+            <a:schemeClr val="tx1"/>
+          </a:fontRef>
+        </p:style>
+      </p:cxnSp>
+      <p:sp>
+        <p:nvSpPr>
+          <p:cNvPr id="139" name="Can 138"/>
+          <p:cNvSpPr/>
+          <p:nvPr/>
+        </p:nvSpPr>
+        <p:spPr>
+          <a:xfrm>
+            <a:off x="6101840" y="2638959"/>
+            <a:ext cx="287382" cy="610542"/>
+          </a:xfrm>
+          <a:prstGeom prst="can">
+            <a:avLst/>
+          </a:prstGeom>
+          <a:solidFill>
+            <a:schemeClr val="bg1"/>
+          </a:solidFill>
+        </p:spPr>
+        <p:style>
+          <a:lnRef idx="2">
+            <a:schemeClr val="accent1">
+              <a:shade val="50000"/>
+            </a:schemeClr>
+          </a:lnRef>
+          <a:fillRef idx="1">
+            <a:schemeClr val="accent1"/>
+          </a:fillRef>
+          <a:effectRef idx="0">
+            <a:schemeClr val="accent1"/>
+          </a:effectRef>
+          <a:fontRef idx="minor">
+            <a:schemeClr val="lt1"/>
+          </a:fontRef>
+        </p:style>
+        <p:txBody>
+          <a:bodyPr vert="vert270" rtlCol="0" anchor="ctr"/>
+          <a:lstStyle/>
+          <a:p>
+            <a:pPr algn="ctr"/>
+            <a:r>
+              <a:rPr lang="en-US" sz="800" dirty="0" smtClean="0">
+                <a:solidFill>
+                  <a:schemeClr val="tx1"/>
+                </a:solidFill>
+              </a:rPr>
+              <a:t>vmnic0</a:t>
+            </a:r>
+            <a:endParaRPr lang="en-US" sz="800" dirty="0">
+              <a:solidFill>
+                <a:schemeClr val="tx1"/>
+              </a:solidFill>
+            </a:endParaRPr>
+          </a:p>
+        </p:txBody>
+      </p:sp>
+      <p:cxnSp>
+        <p:nvCxnSpPr>
+          <p:cNvPr id="3" name="Straight Connector 2"/>
+          <p:cNvCxnSpPr/>
+          <p:nvPr/>
+        </p:nvCxnSpPr>
+        <p:spPr>
+          <a:xfrm>
+            <a:off x="6145254" y="1471259"/>
+            <a:ext cx="0" cy="1176431"/>
           </a:xfrm>
           <a:prstGeom prst="line">
             <a:avLst/>
           </a:prstGeom>
           <a:ln>
             <a:solidFill>
-              <a:srgbClr val="CC0099"/>
+              <a:schemeClr val="accent4">
+                <a:lumMod val="20000"/>
+                <a:lumOff val="80000"/>
+              </a:schemeClr>
+            </a:solidFill>
+          </a:ln>
+        </p:spPr>
+        <p:style>
+          <a:lnRef idx="1">
+            <a:schemeClr val="accent1"/>
+          </a:lnRef>
+          <a:fillRef idx="0">
+            <a:schemeClr val="accent1"/>
+          </a:fillRef>
+          <a:effectRef idx="0">
+            <a:schemeClr val="accent1"/>
+          </a:effectRef>
+          <a:fontRef idx="minor">
+            <a:schemeClr val="tx1"/>
+          </a:fontRef>
+        </p:style>
+      </p:cxnSp>
+      <p:cxnSp>
+        <p:nvCxnSpPr>
+          <p:cNvPr id="13" name="Straight Connector 12"/>
+          <p:cNvCxnSpPr>
+            <a:endCxn id="139" idx="1"/>
+          </p:cNvCxnSpPr>
+          <p:nvPr/>
+        </p:nvCxnSpPr>
+        <p:spPr>
+          <a:xfrm>
+            <a:off x="6245531" y="2233146"/>
+            <a:ext cx="0" cy="405813"/>
+          </a:xfrm>
+          <a:prstGeom prst="line">
+            <a:avLst/>
+          </a:prstGeom>
+          <a:ln>
+            <a:solidFill>
+              <a:schemeClr val="tx1"/>
+            </a:solidFill>
+          </a:ln>
+        </p:spPr>
+        <p:style>
+          <a:lnRef idx="1">
+            <a:schemeClr val="accent1"/>
+          </a:lnRef>
+          <a:fillRef idx="0">
+            <a:schemeClr val="accent1"/>
+          </a:fillRef>
+          <a:effectRef idx="0">
+            <a:schemeClr val="accent1"/>
+          </a:effectRef>
+          <a:fontRef idx="minor">
+            <a:schemeClr val="tx1"/>
+          </a:fontRef>
+        </p:style>
+      </p:cxnSp>
+      <p:sp>
+        <p:nvSpPr>
+          <p:cNvPr id="140" name="Rectangle 139"/>
+          <p:cNvSpPr/>
+          <p:nvPr/>
+        </p:nvSpPr>
+        <p:spPr>
+          <a:xfrm>
+            <a:off x="7371968" y="3257687"/>
+            <a:ext cx="796835" cy="352698"/>
+          </a:xfrm>
+          <a:prstGeom prst="rect">
+            <a:avLst/>
+          </a:prstGeom>
+          <a:solidFill>
+            <a:schemeClr val="bg1"/>
+          </a:solidFill>
+        </p:spPr>
+        <p:style>
+          <a:lnRef idx="2">
+            <a:schemeClr val="accent6">
+              <a:shade val="50000"/>
+            </a:schemeClr>
+          </a:lnRef>
+          <a:fillRef idx="1">
+            <a:schemeClr val="accent6"/>
+          </a:fillRef>
+          <a:effectRef idx="0">
+            <a:schemeClr val="accent6"/>
+          </a:effectRef>
+          <a:fontRef idx="minor">
+            <a:schemeClr val="lt1"/>
+          </a:fontRef>
+        </p:style>
+        <p:txBody>
+          <a:bodyPr rtlCol="0" anchor="b" anchorCtr="0"/>
+          <a:lstStyle/>
+          <a:p>
+            <a:pPr algn="r"/>
+            <a:r>
+              <a:rPr lang="en-US" sz="600" dirty="0" smtClean="0">
+                <a:solidFill>
+                  <a:schemeClr val="tx1"/>
+                </a:solidFill>
+              </a:rPr>
+              <a:t>dvs2</a:t>
+            </a:r>
+            <a:endParaRPr lang="en-US" sz="600" dirty="0">
+              <a:solidFill>
+                <a:schemeClr val="tx1"/>
+              </a:solidFill>
+            </a:endParaRPr>
+          </a:p>
+        </p:txBody>
+      </p:sp>
+      <p:sp>
+        <p:nvSpPr>
+          <p:cNvPr id="142" name="Rectangle 141"/>
+          <p:cNvSpPr/>
+          <p:nvPr/>
+        </p:nvSpPr>
+        <p:spPr>
+          <a:xfrm>
+            <a:off x="7591222" y="3307705"/>
+            <a:ext cx="470263" cy="174172"/>
+          </a:xfrm>
+          <a:prstGeom prst="rect">
+            <a:avLst/>
+          </a:prstGeom>
+        </p:spPr>
+        <p:style>
+          <a:lnRef idx="2">
+            <a:schemeClr val="accent1">
+              <a:shade val="50000"/>
+            </a:schemeClr>
+          </a:lnRef>
+          <a:fillRef idx="1">
+            <a:schemeClr val="accent1"/>
+          </a:fillRef>
+          <a:effectRef idx="0">
+            <a:schemeClr val="accent1"/>
+          </a:effectRef>
+          <a:fontRef idx="minor">
+            <a:schemeClr val="lt1"/>
+          </a:fontRef>
+        </p:style>
+        <p:txBody>
+          <a:bodyPr rtlCol="0" anchor="ctr"/>
+          <a:lstStyle/>
+          <a:p>
+            <a:pPr algn="ctr"/>
+            <a:r>
+              <a:rPr lang="en-US" sz="600" dirty="0" smtClean="0"/>
+              <a:t>pg3</a:t>
+            </a:r>
+            <a:endParaRPr lang="en-US" sz="600" dirty="0"/>
+          </a:p>
+        </p:txBody>
+      </p:sp>
+      <p:sp>
+        <p:nvSpPr>
+          <p:cNvPr id="144" name="Rectangle 143"/>
+          <p:cNvSpPr/>
+          <p:nvPr/>
+        </p:nvSpPr>
+        <p:spPr>
+          <a:xfrm>
+            <a:off x="8150366" y="4194216"/>
+            <a:ext cx="339961" cy="169819"/>
+          </a:xfrm>
+          <a:prstGeom prst="rect">
+            <a:avLst/>
+          </a:prstGeom>
+          <a:solidFill>
+            <a:schemeClr val="tx2">
+              <a:lumMod val="60000"/>
+              <a:lumOff val="40000"/>
+            </a:schemeClr>
+          </a:solidFill>
+        </p:spPr>
+        <p:style>
+          <a:lnRef idx="2">
+            <a:schemeClr val="accent1">
+              <a:shade val="50000"/>
+            </a:schemeClr>
+          </a:lnRef>
+          <a:fillRef idx="1">
+            <a:schemeClr val="accent1"/>
+          </a:fillRef>
+          <a:effectRef idx="0">
+            <a:schemeClr val="accent1"/>
+          </a:effectRef>
+          <a:fontRef idx="minor">
+            <a:schemeClr val="lt1"/>
+          </a:fontRef>
+        </p:style>
+        <p:txBody>
+          <a:bodyPr rtlCol="0" anchor="ctr"/>
+          <a:lstStyle/>
+          <a:p>
+            <a:pPr algn="ctr"/>
+            <a:r>
+              <a:rPr lang="en-US" sz="600" dirty="0" smtClean="0"/>
+              <a:t>eth2</a:t>
+            </a:r>
+            <a:endParaRPr lang="en-US" sz="600" dirty="0"/>
+          </a:p>
+        </p:txBody>
+      </p:sp>
+      <p:sp>
+        <p:nvSpPr>
+          <p:cNvPr id="145" name="Can 144"/>
+          <p:cNvSpPr/>
+          <p:nvPr/>
+        </p:nvSpPr>
+        <p:spPr>
+          <a:xfrm>
+            <a:off x="7675035" y="2649214"/>
+            <a:ext cx="287382" cy="610542"/>
+          </a:xfrm>
+          <a:prstGeom prst="can">
+            <a:avLst/>
+          </a:prstGeom>
+          <a:solidFill>
+            <a:schemeClr val="bg1"/>
+          </a:solidFill>
+        </p:spPr>
+        <p:style>
+          <a:lnRef idx="2">
+            <a:schemeClr val="accent1">
+              <a:shade val="50000"/>
+            </a:schemeClr>
+          </a:lnRef>
+          <a:fillRef idx="1">
+            <a:schemeClr val="accent1"/>
+          </a:fillRef>
+          <a:effectRef idx="0">
+            <a:schemeClr val="accent1"/>
+          </a:effectRef>
+          <a:fontRef idx="minor">
+            <a:schemeClr val="lt1"/>
+          </a:fontRef>
+        </p:style>
+        <p:txBody>
+          <a:bodyPr vert="vert270" rtlCol="0" anchor="ctr"/>
+          <a:lstStyle/>
+          <a:p>
+            <a:pPr algn="ctr"/>
+            <a:r>
+              <a:rPr lang="en-US" sz="800" dirty="0" smtClean="0">
+                <a:solidFill>
+                  <a:schemeClr val="tx1"/>
+                </a:solidFill>
+              </a:rPr>
+              <a:t>vmnic1</a:t>
+            </a:r>
+            <a:endParaRPr lang="en-US" sz="800" dirty="0">
+              <a:solidFill>
+                <a:schemeClr val="tx1"/>
+              </a:solidFill>
+            </a:endParaRPr>
+          </a:p>
+        </p:txBody>
+      </p:sp>
+      <p:cxnSp>
+        <p:nvCxnSpPr>
+          <p:cNvPr id="56" name="Straight Connector 55"/>
+          <p:cNvCxnSpPr>
+            <a:endCxn id="145" idx="1"/>
+          </p:cNvCxnSpPr>
+          <p:nvPr/>
+        </p:nvCxnSpPr>
+        <p:spPr>
+          <a:xfrm>
+            <a:off x="7818726" y="1639299"/>
+            <a:ext cx="0" cy="1009915"/>
+          </a:xfrm>
+          <a:prstGeom prst="line">
+            <a:avLst/>
+          </a:prstGeom>
+          <a:ln>
+            <a:solidFill>
+              <a:srgbClr val="00B050"/>
+            </a:solidFill>
+          </a:ln>
+        </p:spPr>
+        <p:style>
+          <a:lnRef idx="1">
+            <a:schemeClr val="accent1"/>
+          </a:lnRef>
+          <a:fillRef idx="0">
+            <a:schemeClr val="accent1"/>
+          </a:fillRef>
+          <a:effectRef idx="0">
+            <a:schemeClr val="accent1"/>
+          </a:effectRef>
+          <a:fontRef idx="minor">
+            <a:schemeClr val="tx1"/>
+          </a:fontRef>
+        </p:style>
+      </p:cxnSp>
+      <p:cxnSp>
+        <p:nvCxnSpPr>
+          <p:cNvPr id="68" name="Elbow Connector 67"/>
+          <p:cNvCxnSpPr>
+            <a:endCxn id="144" idx="0"/>
+          </p:cNvCxnSpPr>
+          <p:nvPr/>
+        </p:nvCxnSpPr>
+        <p:spPr>
+          <a:xfrm rot="16200000" flipH="1">
+            <a:off x="7716353" y="3590222"/>
+            <a:ext cx="713994" cy="493994"/>
+          </a:xfrm>
+          <a:prstGeom prst="bentConnector3">
+            <a:avLst>
+              <a:gd name="adj1" fmla="val 29653"/>
+            </a:avLst>
+          </a:prstGeom>
+          <a:ln w="25400">
+            <a:solidFill>
+              <a:schemeClr val="accent6"/>
             </a:solidFill>
           </a:ln>
         </p:spPr>
